--- a/Documentation/Images/1_lidar.pptx
+++ b/Documentation/Images/1_lidar.pptx
@@ -6,6 +6,7 @@
   </p:sldMasterIdLst>
   <p:sldIdLst>
     <p:sldId id="256" r:id="rId2"/>
+    <p:sldId id="257" r:id="rId3"/>
   </p:sldIdLst>
   <p:sldSz cx="12192000" cy="6858000"/>
   <p:notesSz cx="6858000" cy="9144000"/>
@@ -104,6 +105,11 @@
       </a:defRPr>
     </a:lvl9pPr>
   </p:defaultTextStyle>
+  <p:extLst>
+    <p:ext uri="{EFAFB233-063F-42B5-8137-9DF3F51BA10A}">
+      <p15:sldGuideLst xmlns:p15="http://schemas.microsoft.com/office/powerpoint/2012/main"/>
+    </p:ext>
+  </p:extLst>
 </p:presentation>
 </file>
 
@@ -397,7 +403,7 @@
           <a:p>
             <a:fld id="{F5749C83-DBBD-442D-8565-721F137707C7}" type="datetimeFigureOut">
               <a:rPr lang="en-GB" smtClean="0"/>
-              <a:t>08/11/2021</a:t>
+              <a:t>12/11/2021</a:t>
             </a:fld>
             <a:endParaRPr lang="en-GB"/>
           </a:p>
@@ -597,7 +603,7 @@
           <a:p>
             <a:fld id="{F5749C83-DBBD-442D-8565-721F137707C7}" type="datetimeFigureOut">
               <a:rPr lang="en-GB" smtClean="0"/>
-              <a:t>08/11/2021</a:t>
+              <a:t>12/11/2021</a:t>
             </a:fld>
             <a:endParaRPr lang="en-GB"/>
           </a:p>
@@ -807,7 +813,7 @@
           <a:p>
             <a:fld id="{F5749C83-DBBD-442D-8565-721F137707C7}" type="datetimeFigureOut">
               <a:rPr lang="en-GB" smtClean="0"/>
-              <a:t>08/11/2021</a:t>
+              <a:t>12/11/2021</a:t>
             </a:fld>
             <a:endParaRPr lang="en-GB"/>
           </a:p>
@@ -1007,7 +1013,7 @@
           <a:p>
             <a:fld id="{F5749C83-DBBD-442D-8565-721F137707C7}" type="datetimeFigureOut">
               <a:rPr lang="en-GB" smtClean="0"/>
-              <a:t>08/11/2021</a:t>
+              <a:t>12/11/2021</a:t>
             </a:fld>
             <a:endParaRPr lang="en-GB"/>
           </a:p>
@@ -1283,7 +1289,7 @@
           <a:p>
             <a:fld id="{F5749C83-DBBD-442D-8565-721F137707C7}" type="datetimeFigureOut">
               <a:rPr lang="en-GB" smtClean="0"/>
-              <a:t>08/11/2021</a:t>
+              <a:t>12/11/2021</a:t>
             </a:fld>
             <a:endParaRPr lang="en-GB"/>
           </a:p>
@@ -1551,7 +1557,7 @@
           <a:p>
             <a:fld id="{F5749C83-DBBD-442D-8565-721F137707C7}" type="datetimeFigureOut">
               <a:rPr lang="en-GB" smtClean="0"/>
-              <a:t>08/11/2021</a:t>
+              <a:t>12/11/2021</a:t>
             </a:fld>
             <a:endParaRPr lang="en-GB"/>
           </a:p>
@@ -1966,7 +1972,7 @@
           <a:p>
             <a:fld id="{F5749C83-DBBD-442D-8565-721F137707C7}" type="datetimeFigureOut">
               <a:rPr lang="en-GB" smtClean="0"/>
-              <a:t>08/11/2021</a:t>
+              <a:t>12/11/2021</a:t>
             </a:fld>
             <a:endParaRPr lang="en-GB"/>
           </a:p>
@@ -2108,7 +2114,7 @@
           <a:p>
             <a:fld id="{F5749C83-DBBD-442D-8565-721F137707C7}" type="datetimeFigureOut">
               <a:rPr lang="en-GB" smtClean="0"/>
-              <a:t>08/11/2021</a:t>
+              <a:t>12/11/2021</a:t>
             </a:fld>
             <a:endParaRPr lang="en-GB"/>
           </a:p>
@@ -2221,7 +2227,7 @@
           <a:p>
             <a:fld id="{F5749C83-DBBD-442D-8565-721F137707C7}" type="datetimeFigureOut">
               <a:rPr lang="en-GB" smtClean="0"/>
-              <a:t>08/11/2021</a:t>
+              <a:t>12/11/2021</a:t>
             </a:fld>
             <a:endParaRPr lang="en-GB"/>
           </a:p>
@@ -2534,7 +2540,7 @@
           <a:p>
             <a:fld id="{F5749C83-DBBD-442D-8565-721F137707C7}" type="datetimeFigureOut">
               <a:rPr lang="en-GB" smtClean="0"/>
-              <a:t>08/11/2021</a:t>
+              <a:t>12/11/2021</a:t>
             </a:fld>
             <a:endParaRPr lang="en-GB"/>
           </a:p>
@@ -2823,7 +2829,7 @@
           <a:p>
             <a:fld id="{F5749C83-DBBD-442D-8565-721F137707C7}" type="datetimeFigureOut">
               <a:rPr lang="en-GB" smtClean="0"/>
-              <a:t>08/11/2021</a:t>
+              <a:t>12/11/2021</a:t>
             </a:fld>
             <a:endParaRPr lang="en-GB"/>
           </a:p>
@@ -3066,7 +3072,7 @@
           <a:p>
             <a:fld id="{F5749C83-DBBD-442D-8565-721F137707C7}" type="datetimeFigureOut">
               <a:rPr lang="en-GB" smtClean="0"/>
-              <a:t>08/11/2021</a:t>
+              <a:t>12/11/2021</a:t>
             </a:fld>
             <a:endParaRPr lang="en-GB"/>
           </a:p>
@@ -4013,6 +4019,1662 @@
 </p:sld>
 </file>
 
+<file path=ppt/slides/slide2.xml><?xml version="1.0" encoding="utf-8"?>
+<p:sld xmlns:a="http://schemas.openxmlformats.org/drawingml/2006/main" xmlns:r="http://schemas.openxmlformats.org/officeDocument/2006/relationships" xmlns:p="http://schemas.openxmlformats.org/presentationml/2006/main">
+  <p:cSld>
+    <p:spTree>
+      <p:nvGrpSpPr>
+        <p:cNvPr id="1" name=""/>
+        <p:cNvGrpSpPr/>
+        <p:nvPr/>
+      </p:nvGrpSpPr>
+      <p:grpSpPr>
+        <a:xfrm>
+          <a:off x="0" y="0"/>
+          <a:ext cx="0" cy="0"/>
+          <a:chOff x="0" y="0"/>
+          <a:chExt cx="0" cy="0"/>
+        </a:xfrm>
+      </p:grpSpPr>
+      <p:sp>
+        <p:nvSpPr>
+          <p:cNvPr id="4" name="Elipse 3">
+            <a:extLst>
+              <a:ext uri="{FF2B5EF4-FFF2-40B4-BE49-F238E27FC236}">
+                <a16:creationId xmlns:a16="http://schemas.microsoft.com/office/drawing/2014/main" id="{0E88D5BA-2380-460E-9A84-682B45C12B15}"/>
+              </a:ext>
+            </a:extLst>
+          </p:cNvPr>
+          <p:cNvSpPr/>
+          <p:nvPr/>
+        </p:nvSpPr>
+        <p:spPr>
+          <a:xfrm>
+            <a:off x="2654421" y="2121761"/>
+            <a:ext cx="2805343" cy="2627790"/>
+          </a:xfrm>
+          <a:prstGeom prst="ellipse">
+            <a:avLst/>
+          </a:prstGeom>
+          <a:noFill/>
+          <a:ln w="57150"/>
+        </p:spPr>
+        <p:style>
+          <a:lnRef idx="2">
+            <a:schemeClr val="accent1">
+              <a:shade val="50000"/>
+            </a:schemeClr>
+          </a:lnRef>
+          <a:fillRef idx="1">
+            <a:schemeClr val="accent1"/>
+          </a:fillRef>
+          <a:effectRef idx="0">
+            <a:schemeClr val="accent1"/>
+          </a:effectRef>
+          <a:fontRef idx="minor">
+            <a:schemeClr val="lt1"/>
+          </a:fontRef>
+        </p:style>
+        <p:txBody>
+          <a:bodyPr rtlCol="0" anchor="ctr"/>
+          <a:lstStyle/>
+          <a:p>
+            <a:pPr algn="ctr"/>
+            <a:endParaRPr lang="en-GB"/>
+          </a:p>
+        </p:txBody>
+      </p:sp>
+      <p:cxnSp>
+        <p:nvCxnSpPr>
+          <p:cNvPr id="10" name="Conector recto 9">
+            <a:extLst>
+              <a:ext uri="{FF2B5EF4-FFF2-40B4-BE49-F238E27FC236}">
+                <a16:creationId xmlns:a16="http://schemas.microsoft.com/office/drawing/2014/main" id="{F4B77D8B-E84D-4248-B689-BCDCBBEAD48E}"/>
+              </a:ext>
+            </a:extLst>
+          </p:cNvPr>
+          <p:cNvCxnSpPr/>
+          <p:nvPr/>
+        </p:nvCxnSpPr>
+        <p:spPr>
+          <a:xfrm>
+            <a:off x="2725445" y="3428999"/>
+            <a:ext cx="2870437" cy="0"/>
+          </a:xfrm>
+          <a:prstGeom prst="line">
+            <a:avLst/>
+          </a:prstGeom>
+          <a:ln w="19050">
+            <a:prstDash val="dash"/>
+          </a:ln>
+        </p:spPr>
+        <p:style>
+          <a:lnRef idx="1">
+            <a:schemeClr val="accent1"/>
+          </a:lnRef>
+          <a:fillRef idx="0">
+            <a:schemeClr val="accent1"/>
+          </a:fillRef>
+          <a:effectRef idx="0">
+            <a:schemeClr val="accent1"/>
+          </a:effectRef>
+          <a:fontRef idx="minor">
+            <a:schemeClr val="tx1"/>
+          </a:fontRef>
+        </p:style>
+      </p:cxnSp>
+      <p:cxnSp>
+        <p:nvCxnSpPr>
+          <p:cNvPr id="11" name="Conector recto 10">
+            <a:extLst>
+              <a:ext uri="{FF2B5EF4-FFF2-40B4-BE49-F238E27FC236}">
+                <a16:creationId xmlns:a16="http://schemas.microsoft.com/office/drawing/2014/main" id="{1ABEC09C-6B70-4FD2-8953-5486A625BB00}"/>
+              </a:ext>
+            </a:extLst>
+          </p:cNvPr>
+          <p:cNvCxnSpPr>
+            <a:cxnSpLocks/>
+          </p:cNvCxnSpPr>
+          <p:nvPr/>
+        </p:nvCxnSpPr>
+        <p:spPr>
+          <a:xfrm flipV="1">
+            <a:off x="4043782" y="2237173"/>
+            <a:ext cx="0" cy="2485747"/>
+          </a:xfrm>
+          <a:prstGeom prst="line">
+            <a:avLst/>
+          </a:prstGeom>
+          <a:ln w="19050">
+            <a:prstDash val="dash"/>
+          </a:ln>
+        </p:spPr>
+        <p:style>
+          <a:lnRef idx="1">
+            <a:schemeClr val="accent1"/>
+          </a:lnRef>
+          <a:fillRef idx="0">
+            <a:schemeClr val="accent1"/>
+          </a:fillRef>
+          <a:effectRef idx="0">
+            <a:schemeClr val="accent1"/>
+          </a:effectRef>
+          <a:fontRef idx="minor">
+            <a:schemeClr val="tx1"/>
+          </a:fontRef>
+        </p:style>
+      </p:cxnSp>
+      <p:sp>
+        <p:nvSpPr>
+          <p:cNvPr id="8" name="CuadroTexto 7">
+            <a:extLst>
+              <a:ext uri="{FF2B5EF4-FFF2-40B4-BE49-F238E27FC236}">
+                <a16:creationId xmlns:a16="http://schemas.microsoft.com/office/drawing/2014/main" id="{F22392D4-4DF5-4F55-90D9-FC2107C18434}"/>
+              </a:ext>
+            </a:extLst>
+          </p:cNvPr>
+          <p:cNvSpPr txBox="1"/>
+          <p:nvPr/>
+        </p:nvSpPr>
+        <p:spPr>
+          <a:xfrm>
+            <a:off x="1852028" y="3275110"/>
+            <a:ext cx="1409873" cy="307777"/>
+          </a:xfrm>
+          <a:prstGeom prst="rect">
+            <a:avLst/>
+          </a:prstGeom>
+          <a:solidFill>
+            <a:schemeClr val="bg1"/>
+          </a:solidFill>
+        </p:spPr>
+        <p:txBody>
+          <a:bodyPr wrap="none" rtlCol="0">
+            <a:spAutoFit/>
+          </a:bodyPr>
+          <a:lstStyle/>
+          <a:p>
+            <a:r>
+              <a:rPr lang="en-GB" sz="1400" dirty="0"/>
+              <a:t>180 index </a:t>
+            </a:r>
+            <a:r>
+              <a:rPr lang="en-GB" sz="1400" dirty="0">
+                <a:sym typeface="Wingdings" panose="05000000000000000000" pitchFamily="2" charset="2"/>
+              </a:rPr>
+              <a:t> 90º</a:t>
+            </a:r>
+            <a:endParaRPr lang="en-GB" sz="1400" dirty="0"/>
+          </a:p>
+        </p:txBody>
+      </p:sp>
+      <p:sp>
+        <p:nvSpPr>
+          <p:cNvPr id="6" name="CuadroTexto 5">
+            <a:extLst>
+              <a:ext uri="{FF2B5EF4-FFF2-40B4-BE49-F238E27FC236}">
+                <a16:creationId xmlns:a16="http://schemas.microsoft.com/office/drawing/2014/main" id="{ACAA9A26-F1EB-4021-844F-1A980C5EFD00}"/>
+              </a:ext>
+            </a:extLst>
+          </p:cNvPr>
+          <p:cNvSpPr txBox="1"/>
+          <p:nvPr/>
+        </p:nvSpPr>
+        <p:spPr>
+          <a:xfrm>
+            <a:off x="4845260" y="3275111"/>
+            <a:ext cx="1501245" cy="307777"/>
+          </a:xfrm>
+          <a:prstGeom prst="rect">
+            <a:avLst/>
+          </a:prstGeom>
+          <a:solidFill>
+            <a:schemeClr val="bg1"/>
+          </a:solidFill>
+        </p:spPr>
+        <p:txBody>
+          <a:bodyPr wrap="none" rtlCol="0">
+            <a:spAutoFit/>
+          </a:bodyPr>
+          <a:lstStyle/>
+          <a:p>
+            <a:r>
+              <a:rPr lang="en-GB" sz="1400" dirty="0"/>
+              <a:t>540 index </a:t>
+            </a:r>
+            <a:r>
+              <a:rPr lang="en-GB" sz="1400" dirty="0">
+                <a:sym typeface="Wingdings" panose="05000000000000000000" pitchFamily="2" charset="2"/>
+              </a:rPr>
+              <a:t> 270º</a:t>
+            </a:r>
+            <a:endParaRPr lang="en-GB" sz="1400" dirty="0"/>
+          </a:p>
+        </p:txBody>
+      </p:sp>
+      <p:sp>
+        <p:nvSpPr>
+          <p:cNvPr id="5" name="CuadroTexto 4">
+            <a:extLst>
+              <a:ext uri="{FF2B5EF4-FFF2-40B4-BE49-F238E27FC236}">
+                <a16:creationId xmlns:a16="http://schemas.microsoft.com/office/drawing/2014/main" id="{0DD14B6F-8F97-4C95-96AE-D56708CC8D1B}"/>
+              </a:ext>
+            </a:extLst>
+          </p:cNvPr>
+          <p:cNvSpPr txBox="1"/>
+          <p:nvPr/>
+        </p:nvSpPr>
+        <p:spPr>
+          <a:xfrm rot="16200000">
+            <a:off x="3449860" y="2012118"/>
+            <a:ext cx="1153806" cy="307777"/>
+          </a:xfrm>
+          <a:prstGeom prst="rect">
+            <a:avLst/>
+          </a:prstGeom>
+          <a:solidFill>
+            <a:schemeClr val="bg1"/>
+          </a:solidFill>
+        </p:spPr>
+        <p:txBody>
+          <a:bodyPr wrap="square" rtlCol="0">
+            <a:spAutoFit/>
+          </a:bodyPr>
+          <a:lstStyle/>
+          <a:p>
+            <a:r>
+              <a:rPr lang="en-GB" sz="1400" dirty="0"/>
+              <a:t>0 index </a:t>
+            </a:r>
+            <a:r>
+              <a:rPr lang="en-GB" sz="1400" dirty="0">
+                <a:sym typeface="Wingdings" panose="05000000000000000000" pitchFamily="2" charset="2"/>
+              </a:rPr>
+              <a:t> 0º</a:t>
+            </a:r>
+            <a:endParaRPr lang="en-GB" sz="1400" dirty="0"/>
+          </a:p>
+        </p:txBody>
+      </p:sp>
+      <p:sp>
+        <p:nvSpPr>
+          <p:cNvPr id="7" name="CuadroTexto 6">
+            <a:extLst>
+              <a:ext uri="{FF2B5EF4-FFF2-40B4-BE49-F238E27FC236}">
+                <a16:creationId xmlns:a16="http://schemas.microsoft.com/office/drawing/2014/main" id="{E8569801-E798-4F4D-95E5-BD56F370BA97}"/>
+              </a:ext>
+            </a:extLst>
+          </p:cNvPr>
+          <p:cNvSpPr txBox="1"/>
+          <p:nvPr/>
+        </p:nvSpPr>
+        <p:spPr>
+          <a:xfrm rot="16200000">
+            <a:off x="3293161" y="4648931"/>
+            <a:ext cx="1501245" cy="307777"/>
+          </a:xfrm>
+          <a:prstGeom prst="rect">
+            <a:avLst/>
+          </a:prstGeom>
+          <a:solidFill>
+            <a:schemeClr val="bg1"/>
+          </a:solidFill>
+        </p:spPr>
+        <p:txBody>
+          <a:bodyPr wrap="none" rtlCol="0">
+            <a:spAutoFit/>
+          </a:bodyPr>
+          <a:lstStyle/>
+          <a:p>
+            <a:r>
+              <a:rPr lang="en-GB" sz="1400" dirty="0"/>
+              <a:t>360 index </a:t>
+            </a:r>
+            <a:r>
+              <a:rPr lang="en-GB" sz="1400" dirty="0">
+                <a:sym typeface="Wingdings" panose="05000000000000000000" pitchFamily="2" charset="2"/>
+              </a:rPr>
+              <a:t> 180º</a:t>
+            </a:r>
+            <a:endParaRPr lang="en-GB" sz="1400" dirty="0"/>
+          </a:p>
+        </p:txBody>
+      </p:sp>
+      <p:cxnSp>
+        <p:nvCxnSpPr>
+          <p:cNvPr id="14" name="Conector recto 13">
+            <a:extLst>
+              <a:ext uri="{FF2B5EF4-FFF2-40B4-BE49-F238E27FC236}">
+                <a16:creationId xmlns:a16="http://schemas.microsoft.com/office/drawing/2014/main" id="{86600F32-1A8E-442F-941A-05B3FBEF5A01}"/>
+              </a:ext>
+            </a:extLst>
+          </p:cNvPr>
+          <p:cNvCxnSpPr>
+            <a:cxnSpLocks/>
+          </p:cNvCxnSpPr>
+          <p:nvPr/>
+        </p:nvCxnSpPr>
+        <p:spPr>
+          <a:xfrm>
+            <a:off x="2518303" y="3053918"/>
+            <a:ext cx="3110140" cy="745724"/>
+          </a:xfrm>
+          <a:prstGeom prst="line">
+            <a:avLst/>
+          </a:prstGeom>
+          <a:ln w="19050">
+            <a:solidFill>
+              <a:srgbClr val="FF0000"/>
+            </a:solidFill>
+            <a:prstDash val="dash"/>
+          </a:ln>
+        </p:spPr>
+        <p:style>
+          <a:lnRef idx="1">
+            <a:schemeClr val="accent1"/>
+          </a:lnRef>
+          <a:fillRef idx="0">
+            <a:schemeClr val="accent1"/>
+          </a:fillRef>
+          <a:effectRef idx="0">
+            <a:schemeClr val="accent1"/>
+          </a:effectRef>
+          <a:fontRef idx="minor">
+            <a:schemeClr val="tx1"/>
+          </a:fontRef>
+        </p:style>
+      </p:cxnSp>
+      <p:cxnSp>
+        <p:nvCxnSpPr>
+          <p:cNvPr id="17" name="Conector recto 16">
+            <a:extLst>
+              <a:ext uri="{FF2B5EF4-FFF2-40B4-BE49-F238E27FC236}">
+                <a16:creationId xmlns:a16="http://schemas.microsoft.com/office/drawing/2014/main" id="{6CFA6ED8-34A8-452C-BBE5-5E664E52D46F}"/>
+              </a:ext>
+            </a:extLst>
+          </p:cNvPr>
+          <p:cNvCxnSpPr>
+            <a:cxnSpLocks/>
+          </p:cNvCxnSpPr>
+          <p:nvPr/>
+        </p:nvCxnSpPr>
+        <p:spPr>
+          <a:xfrm flipV="1">
+            <a:off x="3872874" y="1811045"/>
+            <a:ext cx="324798" cy="3266983"/>
+          </a:xfrm>
+          <a:prstGeom prst="line">
+            <a:avLst/>
+          </a:prstGeom>
+          <a:ln w="19050">
+            <a:solidFill>
+              <a:srgbClr val="FF0000"/>
+            </a:solidFill>
+            <a:prstDash val="dash"/>
+          </a:ln>
+        </p:spPr>
+        <p:style>
+          <a:lnRef idx="1">
+            <a:schemeClr val="accent1"/>
+          </a:lnRef>
+          <a:fillRef idx="0">
+            <a:schemeClr val="accent1"/>
+          </a:fillRef>
+          <a:effectRef idx="0">
+            <a:schemeClr val="accent1"/>
+          </a:effectRef>
+          <a:fontRef idx="minor">
+            <a:schemeClr val="tx1"/>
+          </a:fontRef>
+        </p:style>
+      </p:cxnSp>
+      <p:cxnSp>
+        <p:nvCxnSpPr>
+          <p:cNvPr id="21" name="Conector recto 20">
+            <a:extLst>
+              <a:ext uri="{FF2B5EF4-FFF2-40B4-BE49-F238E27FC236}">
+                <a16:creationId xmlns:a16="http://schemas.microsoft.com/office/drawing/2014/main" id="{1A16BD0E-122F-4EB7-8D67-5F1A5F9C46CB}"/>
+              </a:ext>
+            </a:extLst>
+          </p:cNvPr>
+          <p:cNvCxnSpPr>
+            <a:cxnSpLocks/>
+          </p:cNvCxnSpPr>
+          <p:nvPr/>
+        </p:nvCxnSpPr>
+        <p:spPr>
+          <a:xfrm flipH="1" flipV="1">
+            <a:off x="3892113" y="1839153"/>
+            <a:ext cx="324798" cy="3266983"/>
+          </a:xfrm>
+          <a:prstGeom prst="line">
+            <a:avLst/>
+          </a:prstGeom>
+          <a:ln w="19050">
+            <a:solidFill>
+              <a:srgbClr val="FF0000"/>
+            </a:solidFill>
+            <a:prstDash val="dash"/>
+          </a:ln>
+        </p:spPr>
+        <p:style>
+          <a:lnRef idx="1">
+            <a:schemeClr val="accent1"/>
+          </a:lnRef>
+          <a:fillRef idx="0">
+            <a:schemeClr val="accent1"/>
+          </a:fillRef>
+          <a:effectRef idx="0">
+            <a:schemeClr val="accent1"/>
+          </a:effectRef>
+          <a:fontRef idx="minor">
+            <a:schemeClr val="tx1"/>
+          </a:fontRef>
+        </p:style>
+      </p:cxnSp>
+      <p:cxnSp>
+        <p:nvCxnSpPr>
+          <p:cNvPr id="25" name="Conector recto 24">
+            <a:extLst>
+              <a:ext uri="{FF2B5EF4-FFF2-40B4-BE49-F238E27FC236}">
+                <a16:creationId xmlns:a16="http://schemas.microsoft.com/office/drawing/2014/main" id="{C9E8E125-C445-4383-A9E9-58B0A11B91B1}"/>
+              </a:ext>
+            </a:extLst>
+          </p:cNvPr>
+          <p:cNvCxnSpPr>
+            <a:cxnSpLocks/>
+          </p:cNvCxnSpPr>
+          <p:nvPr/>
+        </p:nvCxnSpPr>
+        <p:spPr>
+          <a:xfrm flipH="1">
+            <a:off x="2502033" y="3046515"/>
+            <a:ext cx="3110140" cy="745724"/>
+          </a:xfrm>
+          <a:prstGeom prst="line">
+            <a:avLst/>
+          </a:prstGeom>
+          <a:ln w="19050">
+            <a:solidFill>
+              <a:srgbClr val="FF0000"/>
+            </a:solidFill>
+            <a:prstDash val="dash"/>
+          </a:ln>
+        </p:spPr>
+        <p:style>
+          <a:lnRef idx="1">
+            <a:schemeClr val="accent1"/>
+          </a:lnRef>
+          <a:fillRef idx="0">
+            <a:schemeClr val="accent1"/>
+          </a:fillRef>
+          <a:effectRef idx="0">
+            <a:schemeClr val="accent1"/>
+          </a:effectRef>
+          <a:fontRef idx="minor">
+            <a:schemeClr val="tx1"/>
+          </a:fontRef>
+        </p:style>
+      </p:cxnSp>
+      <p:sp>
+        <p:nvSpPr>
+          <p:cNvPr id="26" name="CuadroTexto 25">
+            <a:extLst>
+              <a:ext uri="{FF2B5EF4-FFF2-40B4-BE49-F238E27FC236}">
+                <a16:creationId xmlns:a16="http://schemas.microsoft.com/office/drawing/2014/main" id="{DF027655-1D7B-4257-A83E-F0194A317C11}"/>
+              </a:ext>
+            </a:extLst>
+          </p:cNvPr>
+          <p:cNvSpPr txBox="1"/>
+          <p:nvPr/>
+        </p:nvSpPr>
+        <p:spPr>
+          <a:xfrm rot="16200000">
+            <a:off x="3160214" y="1365218"/>
+            <a:ext cx="1153806" cy="307777"/>
+          </a:xfrm>
+          <a:prstGeom prst="rect">
+            <a:avLst/>
+          </a:prstGeom>
+          <a:solidFill>
+            <a:schemeClr val="bg1"/>
+          </a:solidFill>
+        </p:spPr>
+        <p:txBody>
+          <a:bodyPr wrap="square" rtlCol="0">
+            <a:spAutoFit/>
+          </a:bodyPr>
+          <a:lstStyle/>
+          <a:p>
+            <a:r>
+              <a:rPr lang="en-GB" sz="1400" dirty="0"/>
+              <a:t>1 index </a:t>
+            </a:r>
+          </a:p>
+        </p:txBody>
+      </p:sp>
+      <p:sp>
+        <p:nvSpPr>
+          <p:cNvPr id="28" name="CuadroTexto 27">
+            <a:extLst>
+              <a:ext uri="{FF2B5EF4-FFF2-40B4-BE49-F238E27FC236}">
+                <a16:creationId xmlns:a16="http://schemas.microsoft.com/office/drawing/2014/main" id="{EEA04676-1AEF-4B2E-B4EF-62EC4FB03AD7}"/>
+              </a:ext>
+            </a:extLst>
+          </p:cNvPr>
+          <p:cNvSpPr txBox="1"/>
+          <p:nvPr/>
+        </p:nvSpPr>
+        <p:spPr>
+          <a:xfrm rot="16200000">
+            <a:off x="3243656" y="5105396"/>
+            <a:ext cx="948444" cy="307777"/>
+          </a:xfrm>
+          <a:prstGeom prst="rect">
+            <a:avLst/>
+          </a:prstGeom>
+          <a:solidFill>
+            <a:schemeClr val="bg1"/>
+          </a:solidFill>
+        </p:spPr>
+        <p:txBody>
+          <a:bodyPr wrap="square" rtlCol="0">
+            <a:spAutoFit/>
+          </a:bodyPr>
+          <a:lstStyle/>
+          <a:p>
+            <a:r>
+              <a:rPr lang="en-GB" sz="1400" dirty="0"/>
+              <a:t>350 index </a:t>
+            </a:r>
+          </a:p>
+        </p:txBody>
+      </p:sp>
+      <p:sp>
+        <p:nvSpPr>
+          <p:cNvPr id="29" name="CuadroTexto 28">
+            <a:extLst>
+              <a:ext uri="{FF2B5EF4-FFF2-40B4-BE49-F238E27FC236}">
+                <a16:creationId xmlns:a16="http://schemas.microsoft.com/office/drawing/2014/main" id="{C3923EA8-46F4-4D41-9607-03A28BB1F7DF}"/>
+              </a:ext>
+            </a:extLst>
+          </p:cNvPr>
+          <p:cNvSpPr txBox="1"/>
+          <p:nvPr/>
+        </p:nvSpPr>
+        <p:spPr>
+          <a:xfrm rot="16200000">
+            <a:off x="3915817" y="5123152"/>
+            <a:ext cx="948444" cy="307777"/>
+          </a:xfrm>
+          <a:prstGeom prst="rect">
+            <a:avLst/>
+          </a:prstGeom>
+          <a:solidFill>
+            <a:schemeClr val="bg1"/>
+          </a:solidFill>
+        </p:spPr>
+        <p:txBody>
+          <a:bodyPr wrap="square" rtlCol="0">
+            <a:spAutoFit/>
+          </a:bodyPr>
+          <a:lstStyle/>
+          <a:p>
+            <a:r>
+              <a:rPr lang="en-GB" sz="1400" dirty="0"/>
+              <a:t>370 index </a:t>
+            </a:r>
+          </a:p>
+        </p:txBody>
+      </p:sp>
+      <p:sp>
+        <p:nvSpPr>
+          <p:cNvPr id="30" name="CuadroTexto 29">
+            <a:extLst>
+              <a:ext uri="{FF2B5EF4-FFF2-40B4-BE49-F238E27FC236}">
+                <a16:creationId xmlns:a16="http://schemas.microsoft.com/office/drawing/2014/main" id="{0A0DA13A-4716-4F9B-BED8-F36F29F653D2}"/>
+              </a:ext>
+            </a:extLst>
+          </p:cNvPr>
+          <p:cNvSpPr txBox="1"/>
+          <p:nvPr/>
+        </p:nvSpPr>
+        <p:spPr>
+          <a:xfrm rot="16200000">
+            <a:off x="3866715" y="1440383"/>
+            <a:ext cx="948444" cy="307777"/>
+          </a:xfrm>
+          <a:prstGeom prst="rect">
+            <a:avLst/>
+          </a:prstGeom>
+          <a:solidFill>
+            <a:schemeClr val="bg1"/>
+          </a:solidFill>
+        </p:spPr>
+        <p:txBody>
+          <a:bodyPr wrap="square" rtlCol="0">
+            <a:spAutoFit/>
+          </a:bodyPr>
+          <a:lstStyle/>
+          <a:p>
+            <a:r>
+              <a:rPr lang="en-GB" sz="1400" dirty="0"/>
+              <a:t>719 index </a:t>
+            </a:r>
+          </a:p>
+        </p:txBody>
+      </p:sp>
+      <p:sp>
+        <p:nvSpPr>
+          <p:cNvPr id="31" name="CuadroTexto 30">
+            <a:extLst>
+              <a:ext uri="{FF2B5EF4-FFF2-40B4-BE49-F238E27FC236}">
+                <a16:creationId xmlns:a16="http://schemas.microsoft.com/office/drawing/2014/main" id="{9B9F55D8-FBFB-4C33-A025-EF2E488F2D4E}"/>
+              </a:ext>
+            </a:extLst>
+          </p:cNvPr>
+          <p:cNvSpPr txBox="1"/>
+          <p:nvPr/>
+        </p:nvSpPr>
+        <p:spPr>
+          <a:xfrm>
+            <a:off x="1777001" y="2692874"/>
+            <a:ext cx="948444" cy="307777"/>
+          </a:xfrm>
+          <a:prstGeom prst="rect">
+            <a:avLst/>
+          </a:prstGeom>
+          <a:solidFill>
+            <a:schemeClr val="bg1"/>
+          </a:solidFill>
+        </p:spPr>
+        <p:txBody>
+          <a:bodyPr wrap="square" rtlCol="0">
+            <a:spAutoFit/>
+          </a:bodyPr>
+          <a:lstStyle/>
+          <a:p>
+            <a:r>
+              <a:rPr lang="en-GB" sz="1400" dirty="0"/>
+              <a:t>170 index </a:t>
+            </a:r>
+          </a:p>
+        </p:txBody>
+      </p:sp>
+      <p:sp>
+        <p:nvSpPr>
+          <p:cNvPr id="32" name="CuadroTexto 31">
+            <a:extLst>
+              <a:ext uri="{FF2B5EF4-FFF2-40B4-BE49-F238E27FC236}">
+                <a16:creationId xmlns:a16="http://schemas.microsoft.com/office/drawing/2014/main" id="{A2D9814A-9E9E-4165-9C9D-F188073FB0FB}"/>
+              </a:ext>
+            </a:extLst>
+          </p:cNvPr>
+          <p:cNvSpPr txBox="1"/>
+          <p:nvPr/>
+        </p:nvSpPr>
+        <p:spPr>
+          <a:xfrm>
+            <a:off x="1696358" y="3684214"/>
+            <a:ext cx="948444" cy="307777"/>
+          </a:xfrm>
+          <a:prstGeom prst="rect">
+            <a:avLst/>
+          </a:prstGeom>
+          <a:solidFill>
+            <a:schemeClr val="bg1"/>
+          </a:solidFill>
+        </p:spPr>
+        <p:txBody>
+          <a:bodyPr wrap="square" rtlCol="0">
+            <a:spAutoFit/>
+          </a:bodyPr>
+          <a:lstStyle/>
+          <a:p>
+            <a:r>
+              <a:rPr lang="en-GB" sz="1400" dirty="0"/>
+              <a:t>190 index </a:t>
+            </a:r>
+          </a:p>
+        </p:txBody>
+      </p:sp>
+      <p:sp>
+        <p:nvSpPr>
+          <p:cNvPr id="33" name="CuadroTexto 32">
+            <a:extLst>
+              <a:ext uri="{FF2B5EF4-FFF2-40B4-BE49-F238E27FC236}">
+                <a16:creationId xmlns:a16="http://schemas.microsoft.com/office/drawing/2014/main" id="{E19E4B0F-B474-49CC-B96E-098DDB1B8773}"/>
+              </a:ext>
+            </a:extLst>
+          </p:cNvPr>
+          <p:cNvSpPr txBox="1"/>
+          <p:nvPr/>
+        </p:nvSpPr>
+        <p:spPr>
+          <a:xfrm>
+            <a:off x="5512782" y="2790507"/>
+            <a:ext cx="948444" cy="307777"/>
+          </a:xfrm>
+          <a:prstGeom prst="rect">
+            <a:avLst/>
+          </a:prstGeom>
+          <a:solidFill>
+            <a:schemeClr val="bg1"/>
+          </a:solidFill>
+        </p:spPr>
+        <p:txBody>
+          <a:bodyPr wrap="square" rtlCol="0">
+            <a:spAutoFit/>
+          </a:bodyPr>
+          <a:lstStyle/>
+          <a:p>
+            <a:r>
+              <a:rPr lang="en-GB" sz="1400" dirty="0"/>
+              <a:t>550 index </a:t>
+            </a:r>
+          </a:p>
+        </p:txBody>
+      </p:sp>
+      <p:sp>
+        <p:nvSpPr>
+          <p:cNvPr id="34" name="CuadroTexto 33">
+            <a:extLst>
+              <a:ext uri="{FF2B5EF4-FFF2-40B4-BE49-F238E27FC236}">
+                <a16:creationId xmlns:a16="http://schemas.microsoft.com/office/drawing/2014/main" id="{C5D38EDE-5231-4045-BDFD-1B9CBD2B7057}"/>
+              </a:ext>
+            </a:extLst>
+          </p:cNvPr>
+          <p:cNvSpPr txBox="1"/>
+          <p:nvPr/>
+        </p:nvSpPr>
+        <p:spPr>
+          <a:xfrm>
+            <a:off x="5432139" y="3781847"/>
+            <a:ext cx="948444" cy="307777"/>
+          </a:xfrm>
+          <a:prstGeom prst="rect">
+            <a:avLst/>
+          </a:prstGeom>
+          <a:solidFill>
+            <a:schemeClr val="bg1"/>
+          </a:solidFill>
+        </p:spPr>
+        <p:txBody>
+          <a:bodyPr wrap="square" rtlCol="0">
+            <a:spAutoFit/>
+          </a:bodyPr>
+          <a:lstStyle/>
+          <a:p>
+            <a:r>
+              <a:rPr lang="en-GB" sz="1400" dirty="0"/>
+              <a:t>530 index </a:t>
+            </a:r>
+          </a:p>
+        </p:txBody>
+      </p:sp>
+      <p:sp>
+        <p:nvSpPr>
+          <p:cNvPr id="35" name="Elipse 34">
+            <a:extLst>
+              <a:ext uri="{FF2B5EF4-FFF2-40B4-BE49-F238E27FC236}">
+                <a16:creationId xmlns:a16="http://schemas.microsoft.com/office/drawing/2014/main" id="{5FE0AD10-B624-48CF-9FE9-5217B8E9FF51}"/>
+              </a:ext>
+            </a:extLst>
+          </p:cNvPr>
+          <p:cNvSpPr/>
+          <p:nvPr/>
+        </p:nvSpPr>
+        <p:spPr>
+          <a:xfrm>
+            <a:off x="8063883" y="2299606"/>
+            <a:ext cx="2805343" cy="2627790"/>
+          </a:xfrm>
+          <a:prstGeom prst="ellipse">
+            <a:avLst/>
+          </a:prstGeom>
+          <a:noFill/>
+          <a:ln w="57150"/>
+        </p:spPr>
+        <p:style>
+          <a:lnRef idx="2">
+            <a:schemeClr val="accent1">
+              <a:shade val="50000"/>
+            </a:schemeClr>
+          </a:lnRef>
+          <a:fillRef idx="1">
+            <a:schemeClr val="accent1"/>
+          </a:fillRef>
+          <a:effectRef idx="0">
+            <a:schemeClr val="accent1"/>
+          </a:effectRef>
+          <a:fontRef idx="minor">
+            <a:schemeClr val="lt1"/>
+          </a:fontRef>
+        </p:style>
+        <p:txBody>
+          <a:bodyPr rtlCol="0" anchor="ctr"/>
+          <a:lstStyle/>
+          <a:p>
+            <a:pPr algn="ctr"/>
+            <a:endParaRPr lang="en-GB"/>
+          </a:p>
+        </p:txBody>
+      </p:sp>
+      <p:cxnSp>
+        <p:nvCxnSpPr>
+          <p:cNvPr id="36" name="Conector recto 35">
+            <a:extLst>
+              <a:ext uri="{FF2B5EF4-FFF2-40B4-BE49-F238E27FC236}">
+                <a16:creationId xmlns:a16="http://schemas.microsoft.com/office/drawing/2014/main" id="{D4D29111-4441-4775-A2CB-613B72BB35BA}"/>
+              </a:ext>
+            </a:extLst>
+          </p:cNvPr>
+          <p:cNvCxnSpPr/>
+          <p:nvPr/>
+        </p:nvCxnSpPr>
+        <p:spPr>
+          <a:xfrm>
+            <a:off x="8134907" y="3606844"/>
+            <a:ext cx="2870437" cy="0"/>
+          </a:xfrm>
+          <a:prstGeom prst="line">
+            <a:avLst/>
+          </a:prstGeom>
+          <a:ln w="19050">
+            <a:prstDash val="dash"/>
+          </a:ln>
+        </p:spPr>
+        <p:style>
+          <a:lnRef idx="1">
+            <a:schemeClr val="accent1"/>
+          </a:lnRef>
+          <a:fillRef idx="0">
+            <a:schemeClr val="accent1"/>
+          </a:fillRef>
+          <a:effectRef idx="0">
+            <a:schemeClr val="accent1"/>
+          </a:effectRef>
+          <a:fontRef idx="minor">
+            <a:schemeClr val="tx1"/>
+          </a:fontRef>
+        </p:style>
+      </p:cxnSp>
+      <p:cxnSp>
+        <p:nvCxnSpPr>
+          <p:cNvPr id="37" name="Conector recto 36">
+            <a:extLst>
+              <a:ext uri="{FF2B5EF4-FFF2-40B4-BE49-F238E27FC236}">
+                <a16:creationId xmlns:a16="http://schemas.microsoft.com/office/drawing/2014/main" id="{D2E5F439-D274-4AA7-959C-A425F15666BB}"/>
+              </a:ext>
+            </a:extLst>
+          </p:cNvPr>
+          <p:cNvCxnSpPr>
+            <a:cxnSpLocks/>
+          </p:cNvCxnSpPr>
+          <p:nvPr/>
+        </p:nvCxnSpPr>
+        <p:spPr>
+          <a:xfrm flipV="1">
+            <a:off x="9453244" y="2415018"/>
+            <a:ext cx="0" cy="2485747"/>
+          </a:xfrm>
+          <a:prstGeom prst="line">
+            <a:avLst/>
+          </a:prstGeom>
+          <a:ln w="19050">
+            <a:prstDash val="dash"/>
+          </a:ln>
+        </p:spPr>
+        <p:style>
+          <a:lnRef idx="1">
+            <a:schemeClr val="accent1"/>
+          </a:lnRef>
+          <a:fillRef idx="0">
+            <a:schemeClr val="accent1"/>
+          </a:fillRef>
+          <a:effectRef idx="0">
+            <a:schemeClr val="accent1"/>
+          </a:effectRef>
+          <a:fontRef idx="minor">
+            <a:schemeClr val="tx1"/>
+          </a:fontRef>
+        </p:style>
+      </p:cxnSp>
+      <p:sp>
+        <p:nvSpPr>
+          <p:cNvPr id="38" name="CuadroTexto 37">
+            <a:extLst>
+              <a:ext uri="{FF2B5EF4-FFF2-40B4-BE49-F238E27FC236}">
+                <a16:creationId xmlns:a16="http://schemas.microsoft.com/office/drawing/2014/main" id="{67A7C52E-E76B-40BA-B507-35D888945D58}"/>
+              </a:ext>
+            </a:extLst>
+          </p:cNvPr>
+          <p:cNvSpPr txBox="1"/>
+          <p:nvPr/>
+        </p:nvSpPr>
+        <p:spPr>
+          <a:xfrm>
+            <a:off x="7261490" y="3452955"/>
+            <a:ext cx="1409873" cy="307777"/>
+          </a:xfrm>
+          <a:prstGeom prst="rect">
+            <a:avLst/>
+          </a:prstGeom>
+          <a:solidFill>
+            <a:schemeClr val="bg1"/>
+          </a:solidFill>
+        </p:spPr>
+        <p:txBody>
+          <a:bodyPr wrap="none" rtlCol="0">
+            <a:spAutoFit/>
+          </a:bodyPr>
+          <a:lstStyle/>
+          <a:p>
+            <a:r>
+              <a:rPr lang="en-GB" sz="1400" dirty="0"/>
+              <a:t>540 index </a:t>
+            </a:r>
+            <a:r>
+              <a:rPr lang="en-GB" sz="1400" dirty="0">
+                <a:sym typeface="Wingdings" panose="05000000000000000000" pitchFamily="2" charset="2"/>
+              </a:rPr>
+              <a:t> 90º</a:t>
+            </a:r>
+            <a:endParaRPr lang="en-GB" sz="1400" dirty="0"/>
+          </a:p>
+        </p:txBody>
+      </p:sp>
+      <p:sp>
+        <p:nvSpPr>
+          <p:cNvPr id="39" name="CuadroTexto 38">
+            <a:extLst>
+              <a:ext uri="{FF2B5EF4-FFF2-40B4-BE49-F238E27FC236}">
+                <a16:creationId xmlns:a16="http://schemas.microsoft.com/office/drawing/2014/main" id="{F477EBAE-150D-401F-9502-976FFD42EBA8}"/>
+              </a:ext>
+            </a:extLst>
+          </p:cNvPr>
+          <p:cNvSpPr txBox="1"/>
+          <p:nvPr/>
+        </p:nvSpPr>
+        <p:spPr>
+          <a:xfrm>
+            <a:off x="10254722" y="3452956"/>
+            <a:ext cx="1409873" cy="307777"/>
+          </a:xfrm>
+          <a:prstGeom prst="rect">
+            <a:avLst/>
+          </a:prstGeom>
+          <a:solidFill>
+            <a:schemeClr val="bg1"/>
+          </a:solidFill>
+        </p:spPr>
+        <p:txBody>
+          <a:bodyPr wrap="none" rtlCol="0">
+            <a:spAutoFit/>
+          </a:bodyPr>
+          <a:lstStyle/>
+          <a:p>
+            <a:r>
+              <a:rPr lang="en-GB" sz="1400" dirty="0"/>
+              <a:t>180 index </a:t>
+            </a:r>
+            <a:r>
+              <a:rPr lang="en-GB" sz="1400" dirty="0">
+                <a:sym typeface="Wingdings" panose="05000000000000000000" pitchFamily="2" charset="2"/>
+              </a:rPr>
+              <a:t> 90º</a:t>
+            </a:r>
+            <a:endParaRPr lang="en-GB" sz="1400" dirty="0"/>
+          </a:p>
+        </p:txBody>
+      </p:sp>
+      <p:sp>
+        <p:nvSpPr>
+          <p:cNvPr id="40" name="CuadroTexto 39">
+            <a:extLst>
+              <a:ext uri="{FF2B5EF4-FFF2-40B4-BE49-F238E27FC236}">
+                <a16:creationId xmlns:a16="http://schemas.microsoft.com/office/drawing/2014/main" id="{E711D372-44E1-4217-82C0-DF9E62D054EF}"/>
+              </a:ext>
+            </a:extLst>
+          </p:cNvPr>
+          <p:cNvSpPr txBox="1"/>
+          <p:nvPr/>
+        </p:nvSpPr>
+        <p:spPr>
+          <a:xfrm rot="16200000">
+            <a:off x="8624794" y="1955436"/>
+            <a:ext cx="1622861" cy="307777"/>
+          </a:xfrm>
+          <a:prstGeom prst="rect">
+            <a:avLst/>
+          </a:prstGeom>
+          <a:solidFill>
+            <a:schemeClr val="bg1"/>
+          </a:solidFill>
+        </p:spPr>
+        <p:txBody>
+          <a:bodyPr wrap="square" rtlCol="0">
+            <a:spAutoFit/>
+          </a:bodyPr>
+          <a:lstStyle/>
+          <a:p>
+            <a:r>
+              <a:rPr lang="en-GB" sz="1400" dirty="0"/>
+              <a:t>360 index </a:t>
+            </a:r>
+            <a:r>
+              <a:rPr lang="en-GB" sz="1400" dirty="0">
+                <a:sym typeface="Wingdings" panose="05000000000000000000" pitchFamily="2" charset="2"/>
+              </a:rPr>
+              <a:t> 180º</a:t>
+            </a:r>
+            <a:endParaRPr lang="en-GB" sz="1400" dirty="0"/>
+          </a:p>
+        </p:txBody>
+      </p:sp>
+      <p:sp>
+        <p:nvSpPr>
+          <p:cNvPr id="41" name="CuadroTexto 40">
+            <a:extLst>
+              <a:ext uri="{FF2B5EF4-FFF2-40B4-BE49-F238E27FC236}">
+                <a16:creationId xmlns:a16="http://schemas.microsoft.com/office/drawing/2014/main" id="{CD13B823-F184-4487-AF41-62E0FBA63E2C}"/>
+              </a:ext>
+            </a:extLst>
+          </p:cNvPr>
+          <p:cNvSpPr txBox="1"/>
+          <p:nvPr/>
+        </p:nvSpPr>
+        <p:spPr>
+          <a:xfrm rot="16200000">
+            <a:off x="8885364" y="4826776"/>
+            <a:ext cx="1135760" cy="307777"/>
+          </a:xfrm>
+          <a:prstGeom prst="rect">
+            <a:avLst/>
+          </a:prstGeom>
+          <a:solidFill>
+            <a:schemeClr val="bg1"/>
+          </a:solidFill>
+        </p:spPr>
+        <p:txBody>
+          <a:bodyPr wrap="none" rtlCol="0">
+            <a:spAutoFit/>
+          </a:bodyPr>
+          <a:lstStyle/>
+          <a:p>
+            <a:r>
+              <a:rPr lang="en-GB" sz="1400" dirty="0"/>
+              <a:t>0 index </a:t>
+            </a:r>
+            <a:r>
+              <a:rPr lang="en-GB" sz="1400" dirty="0">
+                <a:sym typeface="Wingdings" panose="05000000000000000000" pitchFamily="2" charset="2"/>
+              </a:rPr>
+              <a:t> 0º</a:t>
+            </a:r>
+            <a:endParaRPr lang="en-GB" sz="1400" dirty="0"/>
+          </a:p>
+        </p:txBody>
+      </p:sp>
+      <p:cxnSp>
+        <p:nvCxnSpPr>
+          <p:cNvPr id="42" name="Conector recto 41">
+            <a:extLst>
+              <a:ext uri="{FF2B5EF4-FFF2-40B4-BE49-F238E27FC236}">
+                <a16:creationId xmlns:a16="http://schemas.microsoft.com/office/drawing/2014/main" id="{0E96234B-6714-45EE-8C35-20947C235A12}"/>
+              </a:ext>
+            </a:extLst>
+          </p:cNvPr>
+          <p:cNvCxnSpPr>
+            <a:cxnSpLocks/>
+          </p:cNvCxnSpPr>
+          <p:nvPr/>
+        </p:nvCxnSpPr>
+        <p:spPr>
+          <a:xfrm>
+            <a:off x="7927765" y="3231763"/>
+            <a:ext cx="3110140" cy="745724"/>
+          </a:xfrm>
+          <a:prstGeom prst="line">
+            <a:avLst/>
+          </a:prstGeom>
+          <a:ln w="19050">
+            <a:solidFill>
+              <a:srgbClr val="FF0000"/>
+            </a:solidFill>
+            <a:prstDash val="dash"/>
+          </a:ln>
+        </p:spPr>
+        <p:style>
+          <a:lnRef idx="1">
+            <a:schemeClr val="accent1"/>
+          </a:lnRef>
+          <a:fillRef idx="0">
+            <a:schemeClr val="accent1"/>
+          </a:fillRef>
+          <a:effectRef idx="0">
+            <a:schemeClr val="accent1"/>
+          </a:effectRef>
+          <a:fontRef idx="minor">
+            <a:schemeClr val="tx1"/>
+          </a:fontRef>
+        </p:style>
+      </p:cxnSp>
+      <p:cxnSp>
+        <p:nvCxnSpPr>
+          <p:cNvPr id="43" name="Conector recto 42">
+            <a:extLst>
+              <a:ext uri="{FF2B5EF4-FFF2-40B4-BE49-F238E27FC236}">
+                <a16:creationId xmlns:a16="http://schemas.microsoft.com/office/drawing/2014/main" id="{A5523274-B00A-406A-8D53-D194905CAF88}"/>
+              </a:ext>
+            </a:extLst>
+          </p:cNvPr>
+          <p:cNvCxnSpPr>
+            <a:cxnSpLocks/>
+          </p:cNvCxnSpPr>
+          <p:nvPr/>
+        </p:nvCxnSpPr>
+        <p:spPr>
+          <a:xfrm flipV="1">
+            <a:off x="9282336" y="1988890"/>
+            <a:ext cx="324798" cy="3266983"/>
+          </a:xfrm>
+          <a:prstGeom prst="line">
+            <a:avLst/>
+          </a:prstGeom>
+          <a:ln w="19050">
+            <a:solidFill>
+              <a:srgbClr val="FF0000"/>
+            </a:solidFill>
+            <a:prstDash val="dash"/>
+          </a:ln>
+        </p:spPr>
+        <p:style>
+          <a:lnRef idx="1">
+            <a:schemeClr val="accent1"/>
+          </a:lnRef>
+          <a:fillRef idx="0">
+            <a:schemeClr val="accent1"/>
+          </a:fillRef>
+          <a:effectRef idx="0">
+            <a:schemeClr val="accent1"/>
+          </a:effectRef>
+          <a:fontRef idx="minor">
+            <a:schemeClr val="tx1"/>
+          </a:fontRef>
+        </p:style>
+      </p:cxnSp>
+      <p:cxnSp>
+        <p:nvCxnSpPr>
+          <p:cNvPr id="44" name="Conector recto 43">
+            <a:extLst>
+              <a:ext uri="{FF2B5EF4-FFF2-40B4-BE49-F238E27FC236}">
+                <a16:creationId xmlns:a16="http://schemas.microsoft.com/office/drawing/2014/main" id="{C403D8D1-46DF-49BC-A70A-4752E0E3DE0B}"/>
+              </a:ext>
+            </a:extLst>
+          </p:cNvPr>
+          <p:cNvCxnSpPr>
+            <a:cxnSpLocks/>
+          </p:cNvCxnSpPr>
+          <p:nvPr/>
+        </p:nvCxnSpPr>
+        <p:spPr>
+          <a:xfrm flipH="1" flipV="1">
+            <a:off x="9301575" y="2016998"/>
+            <a:ext cx="324798" cy="3266983"/>
+          </a:xfrm>
+          <a:prstGeom prst="line">
+            <a:avLst/>
+          </a:prstGeom>
+          <a:ln w="19050">
+            <a:solidFill>
+              <a:srgbClr val="FF0000"/>
+            </a:solidFill>
+            <a:prstDash val="dash"/>
+          </a:ln>
+        </p:spPr>
+        <p:style>
+          <a:lnRef idx="1">
+            <a:schemeClr val="accent1"/>
+          </a:lnRef>
+          <a:fillRef idx="0">
+            <a:schemeClr val="accent1"/>
+          </a:fillRef>
+          <a:effectRef idx="0">
+            <a:schemeClr val="accent1"/>
+          </a:effectRef>
+          <a:fontRef idx="minor">
+            <a:schemeClr val="tx1"/>
+          </a:fontRef>
+        </p:style>
+      </p:cxnSp>
+      <p:cxnSp>
+        <p:nvCxnSpPr>
+          <p:cNvPr id="45" name="Conector recto 44">
+            <a:extLst>
+              <a:ext uri="{FF2B5EF4-FFF2-40B4-BE49-F238E27FC236}">
+                <a16:creationId xmlns:a16="http://schemas.microsoft.com/office/drawing/2014/main" id="{06ED5F5A-C2D9-4C98-A91C-52617C474973}"/>
+              </a:ext>
+            </a:extLst>
+          </p:cNvPr>
+          <p:cNvCxnSpPr>
+            <a:cxnSpLocks/>
+          </p:cNvCxnSpPr>
+          <p:nvPr/>
+        </p:nvCxnSpPr>
+        <p:spPr>
+          <a:xfrm flipH="1">
+            <a:off x="7911495" y="3224360"/>
+            <a:ext cx="3110140" cy="745724"/>
+          </a:xfrm>
+          <a:prstGeom prst="line">
+            <a:avLst/>
+          </a:prstGeom>
+          <a:ln w="19050">
+            <a:solidFill>
+              <a:srgbClr val="FF0000"/>
+            </a:solidFill>
+            <a:prstDash val="dash"/>
+          </a:ln>
+        </p:spPr>
+        <p:style>
+          <a:lnRef idx="1">
+            <a:schemeClr val="accent1"/>
+          </a:lnRef>
+          <a:fillRef idx="0">
+            <a:schemeClr val="accent1"/>
+          </a:fillRef>
+          <a:effectRef idx="0">
+            <a:schemeClr val="accent1"/>
+          </a:effectRef>
+          <a:fontRef idx="minor">
+            <a:schemeClr val="tx1"/>
+          </a:fontRef>
+        </p:style>
+      </p:cxnSp>
+      <p:sp>
+        <p:nvSpPr>
+          <p:cNvPr id="46" name="CuadroTexto 45">
+            <a:extLst>
+              <a:ext uri="{FF2B5EF4-FFF2-40B4-BE49-F238E27FC236}">
+                <a16:creationId xmlns:a16="http://schemas.microsoft.com/office/drawing/2014/main" id="{5C313ED1-66E5-465A-B147-EEA1CAE14C7E}"/>
+              </a:ext>
+            </a:extLst>
+          </p:cNvPr>
+          <p:cNvSpPr txBox="1"/>
+          <p:nvPr/>
+        </p:nvSpPr>
+        <p:spPr>
+          <a:xfrm rot="16200000">
+            <a:off x="8569676" y="1543063"/>
+            <a:ext cx="1153806" cy="307777"/>
+          </a:xfrm>
+          <a:prstGeom prst="rect">
+            <a:avLst/>
+          </a:prstGeom>
+          <a:solidFill>
+            <a:schemeClr val="bg1"/>
+          </a:solidFill>
+        </p:spPr>
+        <p:txBody>
+          <a:bodyPr wrap="square" rtlCol="0">
+            <a:spAutoFit/>
+          </a:bodyPr>
+          <a:lstStyle/>
+          <a:p>
+            <a:r>
+              <a:rPr lang="en-GB" sz="1400"/>
+              <a:t>370 </a:t>
+            </a:r>
+            <a:r>
+              <a:rPr lang="en-GB" sz="1400" dirty="0"/>
+              <a:t>index </a:t>
+            </a:r>
+          </a:p>
+        </p:txBody>
+      </p:sp>
+      <p:sp>
+        <p:nvSpPr>
+          <p:cNvPr id="47" name="CuadroTexto 46">
+            <a:extLst>
+              <a:ext uri="{FF2B5EF4-FFF2-40B4-BE49-F238E27FC236}">
+                <a16:creationId xmlns:a16="http://schemas.microsoft.com/office/drawing/2014/main" id="{B1F2729F-AD50-4DD0-9554-B297DB63C957}"/>
+              </a:ext>
+            </a:extLst>
+          </p:cNvPr>
+          <p:cNvSpPr txBox="1"/>
+          <p:nvPr/>
+        </p:nvSpPr>
+        <p:spPr>
+          <a:xfrm rot="16200000">
+            <a:off x="8653118" y="5283241"/>
+            <a:ext cx="948444" cy="307777"/>
+          </a:xfrm>
+          <a:prstGeom prst="rect">
+            <a:avLst/>
+          </a:prstGeom>
+          <a:solidFill>
+            <a:schemeClr val="bg1"/>
+          </a:solidFill>
+        </p:spPr>
+        <p:txBody>
+          <a:bodyPr wrap="square" rtlCol="0">
+            <a:spAutoFit/>
+          </a:bodyPr>
+          <a:lstStyle/>
+          <a:p>
+            <a:r>
+              <a:rPr lang="en-GB" sz="1400" dirty="0"/>
+              <a:t>719 index </a:t>
+            </a:r>
+          </a:p>
+        </p:txBody>
+      </p:sp>
+      <p:sp>
+        <p:nvSpPr>
+          <p:cNvPr id="48" name="CuadroTexto 47">
+            <a:extLst>
+              <a:ext uri="{FF2B5EF4-FFF2-40B4-BE49-F238E27FC236}">
+                <a16:creationId xmlns:a16="http://schemas.microsoft.com/office/drawing/2014/main" id="{8B03D364-574D-4CB4-A5BF-E30F4D07719A}"/>
+              </a:ext>
+            </a:extLst>
+          </p:cNvPr>
+          <p:cNvSpPr txBox="1"/>
+          <p:nvPr/>
+        </p:nvSpPr>
+        <p:spPr>
+          <a:xfrm rot="16200000">
+            <a:off x="9325279" y="5300997"/>
+            <a:ext cx="948444" cy="307777"/>
+          </a:xfrm>
+          <a:prstGeom prst="rect">
+            <a:avLst/>
+          </a:prstGeom>
+          <a:solidFill>
+            <a:schemeClr val="bg1"/>
+          </a:solidFill>
+        </p:spPr>
+        <p:txBody>
+          <a:bodyPr wrap="square" rtlCol="0">
+            <a:spAutoFit/>
+          </a:bodyPr>
+          <a:lstStyle/>
+          <a:p>
+            <a:r>
+              <a:rPr lang="en-GB" sz="1400" dirty="0"/>
+              <a:t>1 index </a:t>
+            </a:r>
+          </a:p>
+        </p:txBody>
+      </p:sp>
+      <p:sp>
+        <p:nvSpPr>
+          <p:cNvPr id="49" name="CuadroTexto 48">
+            <a:extLst>
+              <a:ext uri="{FF2B5EF4-FFF2-40B4-BE49-F238E27FC236}">
+                <a16:creationId xmlns:a16="http://schemas.microsoft.com/office/drawing/2014/main" id="{5CAB7934-C138-43C6-B53C-527B8A3D683E}"/>
+              </a:ext>
+            </a:extLst>
+          </p:cNvPr>
+          <p:cNvSpPr txBox="1"/>
+          <p:nvPr/>
+        </p:nvSpPr>
+        <p:spPr>
+          <a:xfrm rot="16200000">
+            <a:off x="9276177" y="1618228"/>
+            <a:ext cx="948444" cy="307777"/>
+          </a:xfrm>
+          <a:prstGeom prst="rect">
+            <a:avLst/>
+          </a:prstGeom>
+          <a:solidFill>
+            <a:schemeClr val="bg1"/>
+          </a:solidFill>
+        </p:spPr>
+        <p:txBody>
+          <a:bodyPr wrap="square" rtlCol="0">
+            <a:spAutoFit/>
+          </a:bodyPr>
+          <a:lstStyle/>
+          <a:p>
+            <a:r>
+              <a:rPr lang="en-GB" sz="1400" dirty="0"/>
+              <a:t>350 index </a:t>
+            </a:r>
+          </a:p>
+        </p:txBody>
+      </p:sp>
+      <p:sp>
+        <p:nvSpPr>
+          <p:cNvPr id="50" name="CuadroTexto 49">
+            <a:extLst>
+              <a:ext uri="{FF2B5EF4-FFF2-40B4-BE49-F238E27FC236}">
+                <a16:creationId xmlns:a16="http://schemas.microsoft.com/office/drawing/2014/main" id="{0B8F99D1-7783-45A3-BAC4-8C096384D92F}"/>
+              </a:ext>
+            </a:extLst>
+          </p:cNvPr>
+          <p:cNvSpPr txBox="1"/>
+          <p:nvPr/>
+        </p:nvSpPr>
+        <p:spPr>
+          <a:xfrm>
+            <a:off x="7186463" y="2870719"/>
+            <a:ext cx="948444" cy="307777"/>
+          </a:xfrm>
+          <a:prstGeom prst="rect">
+            <a:avLst/>
+          </a:prstGeom>
+          <a:solidFill>
+            <a:schemeClr val="bg1"/>
+          </a:solidFill>
+        </p:spPr>
+        <p:txBody>
+          <a:bodyPr wrap="square" rtlCol="0">
+            <a:spAutoFit/>
+          </a:bodyPr>
+          <a:lstStyle/>
+          <a:p>
+            <a:r>
+              <a:rPr lang="en-GB" sz="1400" dirty="0"/>
+              <a:t>530 index </a:t>
+            </a:r>
+          </a:p>
+        </p:txBody>
+      </p:sp>
+      <p:sp>
+        <p:nvSpPr>
+          <p:cNvPr id="51" name="CuadroTexto 50">
+            <a:extLst>
+              <a:ext uri="{FF2B5EF4-FFF2-40B4-BE49-F238E27FC236}">
+                <a16:creationId xmlns:a16="http://schemas.microsoft.com/office/drawing/2014/main" id="{76971A89-B7C7-4080-8853-1502823A94F3}"/>
+              </a:ext>
+            </a:extLst>
+          </p:cNvPr>
+          <p:cNvSpPr txBox="1"/>
+          <p:nvPr/>
+        </p:nvSpPr>
+        <p:spPr>
+          <a:xfrm>
+            <a:off x="7105820" y="3862059"/>
+            <a:ext cx="948444" cy="307777"/>
+          </a:xfrm>
+          <a:prstGeom prst="rect">
+            <a:avLst/>
+          </a:prstGeom>
+          <a:solidFill>
+            <a:schemeClr val="bg1"/>
+          </a:solidFill>
+        </p:spPr>
+        <p:txBody>
+          <a:bodyPr wrap="square" rtlCol="0">
+            <a:spAutoFit/>
+          </a:bodyPr>
+          <a:lstStyle/>
+          <a:p>
+            <a:r>
+              <a:rPr lang="en-GB" sz="1400" dirty="0"/>
+              <a:t>550 index </a:t>
+            </a:r>
+          </a:p>
+        </p:txBody>
+      </p:sp>
+      <p:sp>
+        <p:nvSpPr>
+          <p:cNvPr id="52" name="CuadroTexto 51">
+            <a:extLst>
+              <a:ext uri="{FF2B5EF4-FFF2-40B4-BE49-F238E27FC236}">
+                <a16:creationId xmlns:a16="http://schemas.microsoft.com/office/drawing/2014/main" id="{2686C554-BE5F-40F6-B26C-EC90C38B5DF2}"/>
+              </a:ext>
+            </a:extLst>
+          </p:cNvPr>
+          <p:cNvSpPr txBox="1"/>
+          <p:nvPr/>
+        </p:nvSpPr>
+        <p:spPr>
+          <a:xfrm>
+            <a:off x="10922244" y="2968352"/>
+            <a:ext cx="948444" cy="307777"/>
+          </a:xfrm>
+          <a:prstGeom prst="rect">
+            <a:avLst/>
+          </a:prstGeom>
+          <a:solidFill>
+            <a:schemeClr val="bg1"/>
+          </a:solidFill>
+        </p:spPr>
+        <p:txBody>
+          <a:bodyPr wrap="square" rtlCol="0">
+            <a:spAutoFit/>
+          </a:bodyPr>
+          <a:lstStyle/>
+          <a:p>
+            <a:r>
+              <a:rPr lang="en-GB" sz="1400" dirty="0"/>
+              <a:t>190 index </a:t>
+            </a:r>
+          </a:p>
+        </p:txBody>
+      </p:sp>
+      <p:sp>
+        <p:nvSpPr>
+          <p:cNvPr id="53" name="CuadroTexto 52">
+            <a:extLst>
+              <a:ext uri="{FF2B5EF4-FFF2-40B4-BE49-F238E27FC236}">
+                <a16:creationId xmlns:a16="http://schemas.microsoft.com/office/drawing/2014/main" id="{5A35D488-8FF8-4E9B-81C6-AD6C5B12F124}"/>
+              </a:ext>
+            </a:extLst>
+          </p:cNvPr>
+          <p:cNvSpPr txBox="1"/>
+          <p:nvPr/>
+        </p:nvSpPr>
+        <p:spPr>
+          <a:xfrm>
+            <a:off x="10841601" y="3959692"/>
+            <a:ext cx="948444" cy="307777"/>
+          </a:xfrm>
+          <a:prstGeom prst="rect">
+            <a:avLst/>
+          </a:prstGeom>
+          <a:solidFill>
+            <a:schemeClr val="bg1"/>
+          </a:solidFill>
+        </p:spPr>
+        <p:txBody>
+          <a:bodyPr wrap="square" rtlCol="0">
+            <a:spAutoFit/>
+          </a:bodyPr>
+          <a:lstStyle/>
+          <a:p>
+            <a:r>
+              <a:rPr lang="en-GB" sz="1400" dirty="0"/>
+              <a:t>170 index </a:t>
+            </a:r>
+          </a:p>
+        </p:txBody>
+      </p:sp>
+      <p:sp>
+        <p:nvSpPr>
+          <p:cNvPr id="54" name="CuadroTexto 53">
+            <a:extLst>
+              <a:ext uri="{FF2B5EF4-FFF2-40B4-BE49-F238E27FC236}">
+                <a16:creationId xmlns:a16="http://schemas.microsoft.com/office/drawing/2014/main" id="{E450A905-A918-4885-B790-24C7A3947092}"/>
+              </a:ext>
+            </a:extLst>
+          </p:cNvPr>
+          <p:cNvSpPr txBox="1"/>
+          <p:nvPr/>
+        </p:nvSpPr>
+        <p:spPr>
+          <a:xfrm>
+            <a:off x="3539115" y="720535"/>
+            <a:ext cx="955711" cy="369332"/>
+          </a:xfrm>
+          <a:prstGeom prst="rect">
+            <a:avLst/>
+          </a:prstGeom>
+          <a:noFill/>
+        </p:spPr>
+        <p:txBody>
+          <a:bodyPr wrap="none" rtlCol="0">
+            <a:spAutoFit/>
+          </a:bodyPr>
+          <a:lstStyle/>
+          <a:p>
+            <a:r>
+              <a:rPr lang="en-GB" dirty="0"/>
+              <a:t>YD Lidar</a:t>
+            </a:r>
+          </a:p>
+        </p:txBody>
+      </p:sp>
+      <p:sp>
+        <p:nvSpPr>
+          <p:cNvPr id="55" name="CuadroTexto 54">
+            <a:extLst>
+              <a:ext uri="{FF2B5EF4-FFF2-40B4-BE49-F238E27FC236}">
+                <a16:creationId xmlns:a16="http://schemas.microsoft.com/office/drawing/2014/main" id="{C8DF1A2F-4189-4C97-A6C3-4979BCC0E565}"/>
+              </a:ext>
+            </a:extLst>
+          </p:cNvPr>
+          <p:cNvSpPr txBox="1"/>
+          <p:nvPr/>
+        </p:nvSpPr>
+        <p:spPr>
+          <a:xfrm>
+            <a:off x="8966879" y="764344"/>
+            <a:ext cx="944489" cy="369332"/>
+          </a:xfrm>
+          <a:prstGeom prst="rect">
+            <a:avLst/>
+          </a:prstGeom>
+          <a:noFill/>
+        </p:spPr>
+        <p:txBody>
+          <a:bodyPr wrap="none" rtlCol="0">
+            <a:spAutoFit/>
+          </a:bodyPr>
+          <a:lstStyle/>
+          <a:p>
+            <a:r>
+              <a:rPr lang="en-GB" dirty="0"/>
+              <a:t>RP Lidar</a:t>
+            </a:r>
+          </a:p>
+        </p:txBody>
+      </p:sp>
+    </p:spTree>
+    <p:extLst>
+      <p:ext uri="{BB962C8B-B14F-4D97-AF65-F5344CB8AC3E}">
+        <p14:creationId xmlns:p14="http://schemas.microsoft.com/office/powerpoint/2010/main" val="1646100794"/>
+      </p:ext>
+    </p:extLst>
+  </p:cSld>
+  <p:clrMapOvr>
+    <a:masterClrMapping/>
+  </p:clrMapOvr>
+</p:sld>
+</file>
+
 <file path=ppt/theme/theme1.xml><?xml version="1.0" encoding="utf-8"?>
 <a:theme xmlns:a="http://schemas.openxmlformats.org/drawingml/2006/main" name="Tema de Office">
   <a:themeElements>

--- a/Documentation/Images/1_lidar.pptx
+++ b/Documentation/Images/1_lidar.pptx
@@ -116,7 +116,7 @@
 <file path=ppt/revisionInfo.xml><?xml version="1.0" encoding="utf-8"?>
 <p1510:revInfo xmlns:a="http://schemas.openxmlformats.org/drawingml/2006/main" xmlns:r="http://schemas.openxmlformats.org/officeDocument/2006/relationships" xmlns:p1510="http://schemas.microsoft.com/office/powerpoint/2015/10/main">
   <p1510:revLst>
-    <p1510:client id="{341C9C3C-C862-4556-8574-411238F3285C}" v="9" dt="2021-11-08T16:24:02.925"/>
+    <p1510:client id="{341C9C3C-C862-4556-8574-411238F3285C}" v="21" dt="2021-11-14T19:03:01.496"/>
   </p1510:revLst>
 </p1510:revInfo>
 </file>
@@ -126,7 +126,7 @@
   <pc:docChgLst>
     <pc:chgData name="Dr. Manel Puig i Vidal" userId="0d549d0e-cb25-4ad8-b3a5-db046c349dfe" providerId="ADAL" clId="{341C9C3C-C862-4556-8574-411238F3285C}"/>
     <pc:docChg chg="custSel addSld modSld">
-      <pc:chgData name="Dr. Manel Puig i Vidal" userId="0d549d0e-cb25-4ad8-b3a5-db046c349dfe" providerId="ADAL" clId="{341C9C3C-C862-4556-8574-411238F3285C}" dt="2021-11-08T16:24:27.919" v="83" actId="20577"/>
+      <pc:chgData name="Dr. Manel Puig i Vidal" userId="0d549d0e-cb25-4ad8-b3a5-db046c349dfe" providerId="ADAL" clId="{341C9C3C-C862-4556-8574-411238F3285C}" dt="2021-11-14T19:03:09.737" v="296" actId="1076"/>
       <pc:docMkLst>
         <pc:docMk/>
       </pc:docMkLst>
@@ -249,6 +249,341 @@
           </ac:cxnSpMkLst>
         </pc:cxnChg>
       </pc:sldChg>
+      <pc:sldChg chg="addSp delSp modSp mod">
+        <pc:chgData name="Dr. Manel Puig i Vidal" userId="0d549d0e-cb25-4ad8-b3a5-db046c349dfe" providerId="ADAL" clId="{341C9C3C-C862-4556-8574-411238F3285C}" dt="2021-11-14T19:03:09.737" v="296" actId="1076"/>
+        <pc:sldMkLst>
+          <pc:docMk/>
+          <pc:sldMk cId="1646100794" sldId="257"/>
+        </pc:sldMkLst>
+        <pc:spChg chg="mod">
+          <ac:chgData name="Dr. Manel Puig i Vidal" userId="0d549d0e-cb25-4ad8-b3a5-db046c349dfe" providerId="ADAL" clId="{341C9C3C-C862-4556-8574-411238F3285C}" dt="2021-11-14T18:56:36.307" v="166" actId="1076"/>
+          <ac:spMkLst>
+            <pc:docMk/>
+            <pc:sldMk cId="1646100794" sldId="257"/>
+            <ac:spMk id="6" creationId="{ACAA9A26-F1EB-4021-844F-1A980C5EFD00}"/>
+          </ac:spMkLst>
+        </pc:spChg>
+        <pc:spChg chg="mod">
+          <ac:chgData name="Dr. Manel Puig i Vidal" userId="0d549d0e-cb25-4ad8-b3a5-db046c349dfe" providerId="ADAL" clId="{341C9C3C-C862-4556-8574-411238F3285C}" dt="2021-11-14T18:57:01.192" v="172" actId="1076"/>
+          <ac:spMkLst>
+            <pc:docMk/>
+            <pc:sldMk cId="1646100794" sldId="257"/>
+            <ac:spMk id="8" creationId="{F22392D4-4DF5-4F55-90D9-FC2107C18434}"/>
+          </ac:spMkLst>
+        </pc:spChg>
+        <pc:spChg chg="add mod">
+          <ac:chgData name="Dr. Manel Puig i Vidal" userId="0d549d0e-cb25-4ad8-b3a5-db046c349dfe" providerId="ADAL" clId="{341C9C3C-C862-4556-8574-411238F3285C}" dt="2021-11-14T18:55:32.282" v="148" actId="113"/>
+          <ac:spMkLst>
+            <pc:docMk/>
+            <pc:sldMk cId="1646100794" sldId="257"/>
+            <ac:spMk id="16" creationId="{4CC7D969-1D18-464C-AD19-80B30128D709}"/>
+          </ac:spMkLst>
+        </pc:spChg>
+        <pc:spChg chg="mod">
+          <ac:chgData name="Dr. Manel Puig i Vidal" userId="0d549d0e-cb25-4ad8-b3a5-db046c349dfe" providerId="ADAL" clId="{341C9C3C-C862-4556-8574-411238F3285C}" dt="2021-11-14T19:00:05.267" v="188" actId="20577"/>
+          <ac:spMkLst>
+            <pc:docMk/>
+            <pc:sldMk cId="1646100794" sldId="257"/>
+            <ac:spMk id="26" creationId="{DF027655-1D7B-4257-A83E-F0194A317C11}"/>
+          </ac:spMkLst>
+        </pc:spChg>
+        <pc:spChg chg="mod">
+          <ac:chgData name="Dr. Manel Puig i Vidal" userId="0d549d0e-cb25-4ad8-b3a5-db046c349dfe" providerId="ADAL" clId="{341C9C3C-C862-4556-8574-411238F3285C}" dt="2021-11-14T18:52:22.790" v="114" actId="20577"/>
+          <ac:spMkLst>
+            <pc:docMk/>
+            <pc:sldMk cId="1646100794" sldId="257"/>
+            <ac:spMk id="28" creationId="{EEA04676-1AEF-4B2E-B4EF-62EC4FB03AD7}"/>
+          </ac:spMkLst>
+        </pc:spChg>
+        <pc:spChg chg="mod">
+          <ac:chgData name="Dr. Manel Puig i Vidal" userId="0d549d0e-cb25-4ad8-b3a5-db046c349dfe" providerId="ADAL" clId="{341C9C3C-C862-4556-8574-411238F3285C}" dt="2021-11-14T19:00:25.884" v="196" actId="20577"/>
+          <ac:spMkLst>
+            <pc:docMk/>
+            <pc:sldMk cId="1646100794" sldId="257"/>
+            <ac:spMk id="29" creationId="{C3923EA8-46F4-4D41-9607-03A28BB1F7DF}"/>
+          </ac:spMkLst>
+        </pc:spChg>
+        <pc:spChg chg="mod">
+          <ac:chgData name="Dr. Manel Puig i Vidal" userId="0d549d0e-cb25-4ad8-b3a5-db046c349dfe" providerId="ADAL" clId="{341C9C3C-C862-4556-8574-411238F3285C}" dt="2021-11-14T18:51:03.319" v="95" actId="20577"/>
+          <ac:spMkLst>
+            <pc:docMk/>
+            <pc:sldMk cId="1646100794" sldId="257"/>
+            <ac:spMk id="30" creationId="{0A0DA13A-4716-4F9B-BED8-F36F29F653D2}"/>
+          </ac:spMkLst>
+        </pc:spChg>
+        <pc:spChg chg="mod">
+          <ac:chgData name="Dr. Manel Puig i Vidal" userId="0d549d0e-cb25-4ad8-b3a5-db046c349dfe" providerId="ADAL" clId="{341C9C3C-C862-4556-8574-411238F3285C}" dt="2021-11-14T18:58:48.403" v="182" actId="20577"/>
+          <ac:spMkLst>
+            <pc:docMk/>
+            <pc:sldMk cId="1646100794" sldId="257"/>
+            <ac:spMk id="31" creationId="{9B9F55D8-FBFB-4C33-A025-EF2E488F2D4E}"/>
+          </ac:spMkLst>
+        </pc:spChg>
+        <pc:spChg chg="mod">
+          <ac:chgData name="Dr. Manel Puig i Vidal" userId="0d549d0e-cb25-4ad8-b3a5-db046c349dfe" providerId="ADAL" clId="{341C9C3C-C862-4556-8574-411238F3285C}" dt="2021-11-14T18:58:55.475" v="186" actId="20577"/>
+          <ac:spMkLst>
+            <pc:docMk/>
+            <pc:sldMk cId="1646100794" sldId="257"/>
+            <ac:spMk id="32" creationId="{A2D9814A-9E9E-4165-9C9D-F188073FB0FB}"/>
+          </ac:spMkLst>
+        </pc:spChg>
+        <pc:spChg chg="mod">
+          <ac:chgData name="Dr. Manel Puig i Vidal" userId="0d549d0e-cb25-4ad8-b3a5-db046c349dfe" providerId="ADAL" clId="{341C9C3C-C862-4556-8574-411238F3285C}" dt="2021-11-14T19:00:18.732" v="192" actId="20577"/>
+          <ac:spMkLst>
+            <pc:docMk/>
+            <pc:sldMk cId="1646100794" sldId="257"/>
+            <ac:spMk id="33" creationId="{E19E4B0F-B474-49CC-B96E-098DDB1B8773}"/>
+          </ac:spMkLst>
+        </pc:spChg>
+        <pc:spChg chg="mod">
+          <ac:chgData name="Dr. Manel Puig i Vidal" userId="0d549d0e-cb25-4ad8-b3a5-db046c349dfe" providerId="ADAL" clId="{341C9C3C-C862-4556-8574-411238F3285C}" dt="2021-11-14T19:00:14.982" v="190" actId="20577"/>
+          <ac:spMkLst>
+            <pc:docMk/>
+            <pc:sldMk cId="1646100794" sldId="257"/>
+            <ac:spMk id="34" creationId="{C5D38EDE-5231-4045-BDFD-1B9CBD2B7057}"/>
+          </ac:spMkLst>
+        </pc:spChg>
+        <pc:spChg chg="mod">
+          <ac:chgData name="Dr. Manel Puig i Vidal" userId="0d549d0e-cb25-4ad8-b3a5-db046c349dfe" providerId="ADAL" clId="{341C9C3C-C862-4556-8574-411238F3285C}" dt="2021-11-14T19:02:03.338" v="285" actId="1038"/>
+          <ac:spMkLst>
+            <pc:docMk/>
+            <pc:sldMk cId="1646100794" sldId="257"/>
+            <ac:spMk id="38" creationId="{67A7C52E-E76B-40BA-B507-35D888945D58}"/>
+          </ac:spMkLst>
+        </pc:spChg>
+        <pc:spChg chg="mod">
+          <ac:chgData name="Dr. Manel Puig i Vidal" userId="0d549d0e-cb25-4ad8-b3a5-db046c349dfe" providerId="ADAL" clId="{341C9C3C-C862-4556-8574-411238F3285C}" dt="2021-11-14T19:01:52.970" v="251" actId="1035"/>
+          <ac:spMkLst>
+            <pc:docMk/>
+            <pc:sldMk cId="1646100794" sldId="257"/>
+            <ac:spMk id="39" creationId="{F477EBAE-150D-401F-9502-976FFD42EBA8}"/>
+          </ac:spMkLst>
+        </pc:spChg>
+        <pc:spChg chg="mod">
+          <ac:chgData name="Dr. Manel Puig i Vidal" userId="0d549d0e-cb25-4ad8-b3a5-db046c349dfe" providerId="ADAL" clId="{341C9C3C-C862-4556-8574-411238F3285C}" dt="2021-11-14T19:01:45.605" v="243" actId="1036"/>
+          <ac:spMkLst>
+            <pc:docMk/>
+            <pc:sldMk cId="1646100794" sldId="257"/>
+            <ac:spMk id="40" creationId="{E711D372-44E1-4217-82C0-DF9E62D054EF}"/>
+          </ac:spMkLst>
+        </pc:spChg>
+        <pc:spChg chg="mod">
+          <ac:chgData name="Dr. Manel Puig i Vidal" userId="0d549d0e-cb25-4ad8-b3a5-db046c349dfe" providerId="ADAL" clId="{341C9C3C-C862-4556-8574-411238F3285C}" dt="2021-11-14T18:53:44.555" v="129" actId="20577"/>
+          <ac:spMkLst>
+            <pc:docMk/>
+            <pc:sldMk cId="1646100794" sldId="257"/>
+            <ac:spMk id="46" creationId="{5C313ED1-66E5-465A-B147-EEA1CAE14C7E}"/>
+          </ac:spMkLst>
+        </pc:spChg>
+        <pc:spChg chg="mod">
+          <ac:chgData name="Dr. Manel Puig i Vidal" userId="0d549d0e-cb25-4ad8-b3a5-db046c349dfe" providerId="ADAL" clId="{341C9C3C-C862-4556-8574-411238F3285C}" dt="2021-11-14T18:54:54.571" v="138" actId="20577"/>
+          <ac:spMkLst>
+            <pc:docMk/>
+            <pc:sldMk cId="1646100794" sldId="257"/>
+            <ac:spMk id="47" creationId="{B1F2729F-AD50-4DD0-9554-B297DB63C957}"/>
+          </ac:spMkLst>
+        </pc:spChg>
+        <pc:spChg chg="mod">
+          <ac:chgData name="Dr. Manel Puig i Vidal" userId="0d549d0e-cb25-4ad8-b3a5-db046c349dfe" providerId="ADAL" clId="{341C9C3C-C862-4556-8574-411238F3285C}" dt="2021-11-14T19:00:33.828" v="198" actId="20577"/>
+          <ac:spMkLst>
+            <pc:docMk/>
+            <pc:sldMk cId="1646100794" sldId="257"/>
+            <ac:spMk id="48" creationId="{8B03D364-574D-4CB4-A5BF-E30F4D07719A}"/>
+          </ac:spMkLst>
+        </pc:spChg>
+        <pc:spChg chg="mod">
+          <ac:chgData name="Dr. Manel Puig i Vidal" userId="0d549d0e-cb25-4ad8-b3a5-db046c349dfe" providerId="ADAL" clId="{341C9C3C-C862-4556-8574-411238F3285C}" dt="2021-11-14T18:53:14.566" v="121" actId="20577"/>
+          <ac:spMkLst>
+            <pc:docMk/>
+            <pc:sldMk cId="1646100794" sldId="257"/>
+            <ac:spMk id="49" creationId="{5CAB7934-C138-43C6-B53C-527B8A3D683E}"/>
+          </ac:spMkLst>
+        </pc:spChg>
+        <pc:spChg chg="mod">
+          <ac:chgData name="Dr. Manel Puig i Vidal" userId="0d549d0e-cb25-4ad8-b3a5-db046c349dfe" providerId="ADAL" clId="{341C9C3C-C862-4556-8574-411238F3285C}" dt="2021-11-14T19:00:46.458" v="200" actId="6549"/>
+          <ac:spMkLst>
+            <pc:docMk/>
+            <pc:sldMk cId="1646100794" sldId="257"/>
+            <ac:spMk id="50" creationId="{0B8F99D1-7783-45A3-BAC4-8C096384D92F}"/>
+          </ac:spMkLst>
+        </pc:spChg>
+        <pc:spChg chg="mod">
+          <ac:chgData name="Dr. Manel Puig i Vidal" userId="0d549d0e-cb25-4ad8-b3a5-db046c349dfe" providerId="ADAL" clId="{341C9C3C-C862-4556-8574-411238F3285C}" dt="2021-11-14T19:00:50.387" v="203" actId="20577"/>
+          <ac:spMkLst>
+            <pc:docMk/>
+            <pc:sldMk cId="1646100794" sldId="257"/>
+            <ac:spMk id="51" creationId="{76971A89-B7C7-4080-8853-1502823A94F3}"/>
+          </ac:spMkLst>
+        </pc:spChg>
+        <pc:spChg chg="mod">
+          <ac:chgData name="Dr. Manel Puig i Vidal" userId="0d549d0e-cb25-4ad8-b3a5-db046c349dfe" providerId="ADAL" clId="{341C9C3C-C862-4556-8574-411238F3285C}" dt="2021-11-14T19:01:02.246" v="208" actId="20577"/>
+          <ac:spMkLst>
+            <pc:docMk/>
+            <pc:sldMk cId="1646100794" sldId="257"/>
+            <ac:spMk id="52" creationId="{2686C554-BE5F-40F6-B26C-EC90C38B5DF2}"/>
+          </ac:spMkLst>
+        </pc:spChg>
+        <pc:spChg chg="mod">
+          <ac:chgData name="Dr. Manel Puig i Vidal" userId="0d549d0e-cb25-4ad8-b3a5-db046c349dfe" providerId="ADAL" clId="{341C9C3C-C862-4556-8574-411238F3285C}" dt="2021-11-14T19:00:56.326" v="205" actId="20577"/>
+          <ac:spMkLst>
+            <pc:docMk/>
+            <pc:sldMk cId="1646100794" sldId="257"/>
+            <ac:spMk id="53" creationId="{5A35D488-8FF8-4E9B-81C6-AD6C5B12F124}"/>
+          </ac:spMkLst>
+        </pc:spChg>
+        <pc:spChg chg="add mod">
+          <ac:chgData name="Dr. Manel Puig i Vidal" userId="0d549d0e-cb25-4ad8-b3a5-db046c349dfe" providerId="ADAL" clId="{341C9C3C-C862-4556-8574-411238F3285C}" dt="2021-11-14T18:55:52.277" v="157" actId="6549"/>
+          <ac:spMkLst>
+            <pc:docMk/>
+            <pc:sldMk cId="1646100794" sldId="257"/>
+            <ac:spMk id="58" creationId="{5415B15A-4598-4477-9A32-340ED1508F63}"/>
+          </ac:spMkLst>
+        </pc:spChg>
+        <pc:spChg chg="add mod">
+          <ac:chgData name="Dr. Manel Puig i Vidal" userId="0d549d0e-cb25-4ad8-b3a5-db046c349dfe" providerId="ADAL" clId="{341C9C3C-C862-4556-8574-411238F3285C}" dt="2021-11-14T18:56:14.766" v="163" actId="20577"/>
+          <ac:spMkLst>
+            <pc:docMk/>
+            <pc:sldMk cId="1646100794" sldId="257"/>
+            <ac:spMk id="59" creationId="{3979C877-C5BA-4DF3-88D5-C61B82EA0AE7}"/>
+          </ac:spMkLst>
+        </pc:spChg>
+        <pc:spChg chg="add mod">
+          <ac:chgData name="Dr. Manel Puig i Vidal" userId="0d549d0e-cb25-4ad8-b3a5-db046c349dfe" providerId="ADAL" clId="{341C9C3C-C862-4556-8574-411238F3285C}" dt="2021-11-14T18:56:44.992" v="169" actId="20577"/>
+          <ac:spMkLst>
+            <pc:docMk/>
+            <pc:sldMk cId="1646100794" sldId="257"/>
+            <ac:spMk id="60" creationId="{FFF12D8A-DBDF-4861-A83F-09462029AAC5}"/>
+          </ac:spMkLst>
+        </pc:spChg>
+        <pc:spChg chg="add mod">
+          <ac:chgData name="Dr. Manel Puig i Vidal" userId="0d549d0e-cb25-4ad8-b3a5-db046c349dfe" providerId="ADAL" clId="{341C9C3C-C862-4556-8574-411238F3285C}" dt="2021-11-14T18:57:07.562" v="174" actId="20577"/>
+          <ac:spMkLst>
+            <pc:docMk/>
+            <pc:sldMk cId="1646100794" sldId="257"/>
+            <ac:spMk id="61" creationId="{F5E27CFA-9C60-494A-A5E6-B6CA990948EA}"/>
+          </ac:spMkLst>
+        </pc:spChg>
+        <pc:spChg chg="add mod">
+          <ac:chgData name="Dr. Manel Puig i Vidal" userId="0d549d0e-cb25-4ad8-b3a5-db046c349dfe" providerId="ADAL" clId="{341C9C3C-C862-4556-8574-411238F3285C}" dt="2021-11-14T19:01:34.535" v="210" actId="1076"/>
+          <ac:spMkLst>
+            <pc:docMk/>
+            <pc:sldMk cId="1646100794" sldId="257"/>
+            <ac:spMk id="62" creationId="{FA64CBBB-096B-4CCC-ABBC-0468FCE7B374}"/>
+          </ac:spMkLst>
+        </pc:spChg>
+        <pc:spChg chg="add mod">
+          <ac:chgData name="Dr. Manel Puig i Vidal" userId="0d549d0e-cb25-4ad8-b3a5-db046c349dfe" providerId="ADAL" clId="{341C9C3C-C862-4556-8574-411238F3285C}" dt="2021-11-14T19:01:34.535" v="210" actId="1076"/>
+          <ac:spMkLst>
+            <pc:docMk/>
+            <pc:sldMk cId="1646100794" sldId="257"/>
+            <ac:spMk id="63" creationId="{BD37D99E-2702-4405-A829-AF52BB5071D2}"/>
+          </ac:spMkLst>
+        </pc:spChg>
+        <pc:spChg chg="add mod">
+          <ac:chgData name="Dr. Manel Puig i Vidal" userId="0d549d0e-cb25-4ad8-b3a5-db046c349dfe" providerId="ADAL" clId="{341C9C3C-C862-4556-8574-411238F3285C}" dt="2021-11-14T19:01:34.535" v="210" actId="1076"/>
+          <ac:spMkLst>
+            <pc:docMk/>
+            <pc:sldMk cId="1646100794" sldId="257"/>
+            <ac:spMk id="64" creationId="{2FB21EAA-FD97-440F-993E-9E82D72F5E2D}"/>
+          </ac:spMkLst>
+        </pc:spChg>
+        <pc:spChg chg="add mod">
+          <ac:chgData name="Dr. Manel Puig i Vidal" userId="0d549d0e-cb25-4ad8-b3a5-db046c349dfe" providerId="ADAL" clId="{341C9C3C-C862-4556-8574-411238F3285C}" dt="2021-11-14T19:01:34.535" v="210" actId="1076"/>
+          <ac:spMkLst>
+            <pc:docMk/>
+            <pc:sldMk cId="1646100794" sldId="257"/>
+            <ac:spMk id="65" creationId="{7125AD2B-31D1-4DF8-B190-DC199011A582}"/>
+          </ac:spMkLst>
+        </pc:spChg>
+        <pc:spChg chg="add mod">
+          <ac:chgData name="Dr. Manel Puig i Vidal" userId="0d549d0e-cb25-4ad8-b3a5-db046c349dfe" providerId="ADAL" clId="{341C9C3C-C862-4556-8574-411238F3285C}" dt="2021-11-14T19:01:34.535" v="210" actId="1076"/>
+          <ac:spMkLst>
+            <pc:docMk/>
+            <pc:sldMk cId="1646100794" sldId="257"/>
+            <ac:spMk id="66" creationId="{4063366A-543E-4014-A123-2697DE41656E}"/>
+          </ac:spMkLst>
+        </pc:spChg>
+        <pc:spChg chg="add mod">
+          <ac:chgData name="Dr. Manel Puig i Vidal" userId="0d549d0e-cb25-4ad8-b3a5-db046c349dfe" providerId="ADAL" clId="{341C9C3C-C862-4556-8574-411238F3285C}" dt="2021-11-14T19:02:23.212" v="289" actId="20577"/>
+          <ac:spMkLst>
+            <pc:docMk/>
+            <pc:sldMk cId="1646100794" sldId="257"/>
+            <ac:spMk id="67" creationId="{5D5F0E4D-1E62-4C9E-8480-C44313AB94D7}"/>
+          </ac:spMkLst>
+        </pc:spChg>
+        <pc:spChg chg="add mod">
+          <ac:chgData name="Dr. Manel Puig i Vidal" userId="0d549d0e-cb25-4ad8-b3a5-db046c349dfe" providerId="ADAL" clId="{341C9C3C-C862-4556-8574-411238F3285C}" dt="2021-11-14T19:02:36.401" v="294" actId="1076"/>
+          <ac:spMkLst>
+            <pc:docMk/>
+            <pc:sldMk cId="1646100794" sldId="257"/>
+            <ac:spMk id="68" creationId="{9E2CBFF1-A900-4DBF-8839-B5577C84E44B}"/>
+          </ac:spMkLst>
+        </pc:spChg>
+        <pc:spChg chg="add mod">
+          <ac:chgData name="Dr. Manel Puig i Vidal" userId="0d549d0e-cb25-4ad8-b3a5-db046c349dfe" providerId="ADAL" clId="{341C9C3C-C862-4556-8574-411238F3285C}" dt="2021-11-14T19:03:09.737" v="296" actId="1076"/>
+          <ac:spMkLst>
+            <pc:docMk/>
+            <pc:sldMk cId="1646100794" sldId="257"/>
+            <ac:spMk id="69" creationId="{221D82C6-CB56-4920-9313-9A16AC55B662}"/>
+          </ac:spMkLst>
+        </pc:spChg>
+        <pc:spChg chg="add mod">
+          <ac:chgData name="Dr. Manel Puig i Vidal" userId="0d549d0e-cb25-4ad8-b3a5-db046c349dfe" providerId="ADAL" clId="{341C9C3C-C862-4556-8574-411238F3285C}" dt="2021-11-14T19:03:09.737" v="296" actId="1076"/>
+          <ac:spMkLst>
+            <pc:docMk/>
+            <pc:sldMk cId="1646100794" sldId="257"/>
+            <ac:spMk id="70" creationId="{02C6D266-471D-42D7-896C-0F17BFBD17EA}"/>
+          </ac:spMkLst>
+        </pc:spChg>
+        <pc:cxnChg chg="mod">
+          <ac:chgData name="Dr. Manel Puig i Vidal" userId="0d549d0e-cb25-4ad8-b3a5-db046c349dfe" providerId="ADAL" clId="{341C9C3C-C862-4556-8574-411238F3285C}" dt="2021-11-14T18:50:52.636" v="88" actId="14100"/>
+          <ac:cxnSpMkLst>
+            <pc:docMk/>
+            <pc:sldMk cId="1646100794" sldId="257"/>
+            <ac:cxnSpMk id="17" creationId="{6CFA6ED8-34A8-452C-BBE5-5E664E52D46F}"/>
+          </ac:cxnSpMkLst>
+        </pc:cxnChg>
+        <pc:cxnChg chg="mod">
+          <ac:chgData name="Dr. Manel Puig i Vidal" userId="0d549d0e-cb25-4ad8-b3a5-db046c349dfe" providerId="ADAL" clId="{341C9C3C-C862-4556-8574-411238F3285C}" dt="2021-11-14T18:51:38.174" v="101" actId="1037"/>
+          <ac:cxnSpMkLst>
+            <pc:docMk/>
+            <pc:sldMk cId="1646100794" sldId="257"/>
+            <ac:cxnSpMk id="21" creationId="{1A16BD0E-122F-4EB7-8D67-5F1A5F9C46CB}"/>
+          </ac:cxnSpMkLst>
+        </pc:cxnChg>
+        <pc:cxnChg chg="del">
+          <ac:chgData name="Dr. Manel Puig i Vidal" userId="0d549d0e-cb25-4ad8-b3a5-db046c349dfe" providerId="ADAL" clId="{341C9C3C-C862-4556-8574-411238F3285C}" dt="2021-11-14T18:55:05.244" v="139" actId="478"/>
+          <ac:cxnSpMkLst>
+            <pc:docMk/>
+            <pc:sldMk cId="1646100794" sldId="257"/>
+            <ac:cxnSpMk id="43" creationId="{A5523274-B00A-406A-8D53-D194905CAF88}"/>
+          </ac:cxnSpMkLst>
+        </pc:cxnChg>
+        <pc:cxnChg chg="del">
+          <ac:chgData name="Dr. Manel Puig i Vidal" userId="0d549d0e-cb25-4ad8-b3a5-db046c349dfe" providerId="ADAL" clId="{341C9C3C-C862-4556-8574-411238F3285C}" dt="2021-11-14T18:55:05.244" v="139" actId="478"/>
+          <ac:cxnSpMkLst>
+            <pc:docMk/>
+            <pc:sldMk cId="1646100794" sldId="257"/>
+            <ac:cxnSpMk id="44" creationId="{C403D8D1-46DF-49BC-A70A-4752E0E3DE0B}"/>
+          </ac:cxnSpMkLst>
+        </pc:cxnChg>
+        <pc:cxnChg chg="add mod">
+          <ac:chgData name="Dr. Manel Puig i Vidal" userId="0d549d0e-cb25-4ad8-b3a5-db046c349dfe" providerId="ADAL" clId="{341C9C3C-C862-4556-8574-411238F3285C}" dt="2021-11-14T18:52:55.392" v="117" actId="1038"/>
+          <ac:cxnSpMkLst>
+            <pc:docMk/>
+            <pc:sldMk cId="1646100794" sldId="257"/>
+            <ac:cxnSpMk id="56" creationId="{34D8E9D2-9750-4DB4-8AAC-E183C42C8F8A}"/>
+          </ac:cxnSpMkLst>
+        </pc:cxnChg>
+        <pc:cxnChg chg="add mod">
+          <ac:chgData name="Dr. Manel Puig i Vidal" userId="0d549d0e-cb25-4ad8-b3a5-db046c349dfe" providerId="ADAL" clId="{341C9C3C-C862-4556-8574-411238F3285C}" dt="2021-11-14T18:52:55.392" v="117" actId="1038"/>
+          <ac:cxnSpMkLst>
+            <pc:docMk/>
+            <pc:sldMk cId="1646100794" sldId="257"/>
+            <ac:cxnSpMk id="57" creationId="{13B3A256-6BF4-4A79-A1FA-62A939EA139F}"/>
+          </ac:cxnSpMkLst>
+        </pc:cxnChg>
+      </pc:sldChg>
     </pc:docChg>
   </pc:docChgLst>
 </pc:chgInfo>
@@ -403,7 +738,7 @@
           <a:p>
             <a:fld id="{F5749C83-DBBD-442D-8565-721F137707C7}" type="datetimeFigureOut">
               <a:rPr lang="en-GB" smtClean="0"/>
-              <a:t>12/11/2021</a:t>
+              <a:t>14/11/2021</a:t>
             </a:fld>
             <a:endParaRPr lang="en-GB"/>
           </a:p>
@@ -603,7 +938,7 @@
           <a:p>
             <a:fld id="{F5749C83-DBBD-442D-8565-721F137707C7}" type="datetimeFigureOut">
               <a:rPr lang="en-GB" smtClean="0"/>
-              <a:t>12/11/2021</a:t>
+              <a:t>14/11/2021</a:t>
             </a:fld>
             <a:endParaRPr lang="en-GB"/>
           </a:p>
@@ -813,7 +1148,7 @@
           <a:p>
             <a:fld id="{F5749C83-DBBD-442D-8565-721F137707C7}" type="datetimeFigureOut">
               <a:rPr lang="en-GB" smtClean="0"/>
-              <a:t>12/11/2021</a:t>
+              <a:t>14/11/2021</a:t>
             </a:fld>
             <a:endParaRPr lang="en-GB"/>
           </a:p>
@@ -1013,7 +1348,7 @@
           <a:p>
             <a:fld id="{F5749C83-DBBD-442D-8565-721F137707C7}" type="datetimeFigureOut">
               <a:rPr lang="en-GB" smtClean="0"/>
-              <a:t>12/11/2021</a:t>
+              <a:t>14/11/2021</a:t>
             </a:fld>
             <a:endParaRPr lang="en-GB"/>
           </a:p>
@@ -1289,7 +1624,7 @@
           <a:p>
             <a:fld id="{F5749C83-DBBD-442D-8565-721F137707C7}" type="datetimeFigureOut">
               <a:rPr lang="en-GB" smtClean="0"/>
-              <a:t>12/11/2021</a:t>
+              <a:t>14/11/2021</a:t>
             </a:fld>
             <a:endParaRPr lang="en-GB"/>
           </a:p>
@@ -1557,7 +1892,7 @@
           <a:p>
             <a:fld id="{F5749C83-DBBD-442D-8565-721F137707C7}" type="datetimeFigureOut">
               <a:rPr lang="en-GB" smtClean="0"/>
-              <a:t>12/11/2021</a:t>
+              <a:t>14/11/2021</a:t>
             </a:fld>
             <a:endParaRPr lang="en-GB"/>
           </a:p>
@@ -1972,7 +2307,7 @@
           <a:p>
             <a:fld id="{F5749C83-DBBD-442D-8565-721F137707C7}" type="datetimeFigureOut">
               <a:rPr lang="en-GB" smtClean="0"/>
-              <a:t>12/11/2021</a:t>
+              <a:t>14/11/2021</a:t>
             </a:fld>
             <a:endParaRPr lang="en-GB"/>
           </a:p>
@@ -2114,7 +2449,7 @@
           <a:p>
             <a:fld id="{F5749C83-DBBD-442D-8565-721F137707C7}" type="datetimeFigureOut">
               <a:rPr lang="en-GB" smtClean="0"/>
-              <a:t>12/11/2021</a:t>
+              <a:t>14/11/2021</a:t>
             </a:fld>
             <a:endParaRPr lang="en-GB"/>
           </a:p>
@@ -2227,7 +2562,7 @@
           <a:p>
             <a:fld id="{F5749C83-DBBD-442D-8565-721F137707C7}" type="datetimeFigureOut">
               <a:rPr lang="en-GB" smtClean="0"/>
-              <a:t>12/11/2021</a:t>
+              <a:t>14/11/2021</a:t>
             </a:fld>
             <a:endParaRPr lang="en-GB"/>
           </a:p>
@@ -2540,7 +2875,7 @@
           <a:p>
             <a:fld id="{F5749C83-DBBD-442D-8565-721F137707C7}" type="datetimeFigureOut">
               <a:rPr lang="en-GB" smtClean="0"/>
-              <a:t>12/11/2021</a:t>
+              <a:t>14/11/2021</a:t>
             </a:fld>
             <a:endParaRPr lang="en-GB"/>
           </a:p>
@@ -2829,7 +3164,7 @@
           <a:p>
             <a:fld id="{F5749C83-DBBD-442D-8565-721F137707C7}" type="datetimeFigureOut">
               <a:rPr lang="en-GB" smtClean="0"/>
-              <a:t>12/11/2021</a:t>
+              <a:t>14/11/2021</a:t>
             </a:fld>
             <a:endParaRPr lang="en-GB"/>
           </a:p>
@@ -3072,7 +3407,7 @@
           <a:p>
             <a:fld id="{F5749C83-DBBD-442D-8565-721F137707C7}" type="datetimeFigureOut">
               <a:rPr lang="en-GB" smtClean="0"/>
-              <a:t>12/11/2021</a:t>
+              <a:t>14/11/2021</a:t>
             </a:fld>
             <a:endParaRPr lang="en-GB"/>
           </a:p>
@@ -4178,7 +4513,7 @@
         </p:nvSpPr>
         <p:spPr>
           <a:xfrm>
-            <a:off x="1852028" y="3275110"/>
+            <a:off x="2197320" y="3272891"/>
             <a:ext cx="1409873" cy="307777"/>
           </a:xfrm>
           <a:prstGeom prst="rect">
@@ -4222,7 +4557,7 @@
         </p:nvSpPr>
         <p:spPr>
           <a:xfrm>
-            <a:off x="4845260" y="3275111"/>
+            <a:off x="4618682" y="3248643"/>
             <a:ext cx="1501245" cy="307777"/>
           </a:xfrm>
           <a:prstGeom prst="rect">
@@ -4400,8 +4735,8 @@
         </p:nvCxnSpPr>
         <p:spPr>
           <a:xfrm flipV="1">
-            <a:off x="3872874" y="1811045"/>
-            <a:ext cx="324798" cy="3266983"/>
+            <a:off x="3207843" y="2109324"/>
+            <a:ext cx="1664233" cy="2675739"/>
           </a:xfrm>
           <a:prstGeom prst="line">
             <a:avLst/>
@@ -4444,8 +4779,8 @@
         </p:nvCxnSpPr>
         <p:spPr>
           <a:xfrm flipH="1" flipV="1">
-            <a:off x="3892113" y="1839153"/>
-            <a:ext cx="324798" cy="3266983"/>
+            <a:off x="3233876" y="2109324"/>
+            <a:ext cx="1637377" cy="2640227"/>
           </a:xfrm>
           <a:prstGeom prst="line">
             <a:avLst/>
@@ -4530,7 +4865,7 @@
         </p:nvSpPr>
         <p:spPr>
           <a:xfrm rot="16200000">
-            <a:off x="3160214" y="1365218"/>
+            <a:off x="2583264" y="1442003"/>
             <a:ext cx="1153806" cy="307777"/>
           </a:xfrm>
           <a:prstGeom prst="rect">
@@ -4548,7 +4883,7 @@
           <a:p>
             <a:r>
               <a:rPr lang="en-GB" sz="1400" dirty="0"/>
-              <a:t>1 index </a:t>
+              <a:t>60 index </a:t>
             </a:r>
           </a:p>
         </p:txBody>
@@ -4567,7 +4902,7 @@
         </p:nvSpPr>
         <p:spPr>
           <a:xfrm rot="16200000">
-            <a:off x="3243656" y="5105396"/>
+            <a:off x="2729804" y="4970742"/>
             <a:ext cx="948444" cy="307777"/>
           </a:xfrm>
           <a:prstGeom prst="rect">
@@ -4585,7 +4920,7 @@
           <a:p>
             <a:r>
               <a:rPr lang="en-GB" sz="1400" dirty="0"/>
-              <a:t>350 index </a:t>
+              <a:t>300 index </a:t>
             </a:r>
           </a:p>
         </p:txBody>
@@ -4604,7 +4939,7 @@
         </p:nvSpPr>
         <p:spPr>
           <a:xfrm rot="16200000">
-            <a:off x="3915817" y="5123152"/>
+            <a:off x="4370108" y="4970743"/>
             <a:ext cx="948444" cy="307777"/>
           </a:xfrm>
           <a:prstGeom prst="rect">
@@ -4622,7 +4957,7 @@
           <a:p>
             <a:r>
               <a:rPr lang="en-GB" sz="1400" dirty="0"/>
-              <a:t>370 index </a:t>
+              <a:t>420 index </a:t>
             </a:r>
           </a:p>
         </p:txBody>
@@ -4641,7 +4976,7 @@
         </p:nvSpPr>
         <p:spPr>
           <a:xfrm rot="16200000">
-            <a:off x="3866715" y="1440383"/>
+            <a:off x="4498197" y="1537895"/>
             <a:ext cx="948444" cy="307777"/>
           </a:xfrm>
           <a:prstGeom prst="rect">
@@ -4659,7 +4994,7 @@
           <a:p>
             <a:r>
               <a:rPr lang="en-GB" sz="1400" dirty="0"/>
-              <a:t>719 index </a:t>
+              <a:t>660 index </a:t>
             </a:r>
           </a:p>
         </p:txBody>
@@ -4696,7 +5031,7 @@
           <a:p>
             <a:r>
               <a:rPr lang="en-GB" sz="1400" dirty="0"/>
-              <a:t>170 index </a:t>
+              <a:t>179 index </a:t>
             </a:r>
           </a:p>
         </p:txBody>
@@ -4733,7 +5068,7 @@
           <a:p>
             <a:r>
               <a:rPr lang="en-GB" sz="1400" dirty="0"/>
-              <a:t>190 index </a:t>
+              <a:t>181 index </a:t>
             </a:r>
           </a:p>
         </p:txBody>
@@ -4770,7 +5105,7 @@
           <a:p>
             <a:r>
               <a:rPr lang="en-GB" sz="1400" dirty="0"/>
-              <a:t>550 index </a:t>
+              <a:t>541 index </a:t>
             </a:r>
           </a:p>
         </p:txBody>
@@ -4807,7 +5142,7 @@
           <a:p>
             <a:r>
               <a:rPr lang="en-GB" sz="1400" dirty="0"/>
-              <a:t>530 index </a:t>
+              <a:t>539 index </a:t>
             </a:r>
           </a:p>
         </p:txBody>
@@ -4954,7 +5289,7 @@
         </p:nvSpPr>
         <p:spPr>
           <a:xfrm>
-            <a:off x="7261490" y="3452955"/>
+            <a:off x="7563342" y="3452955"/>
             <a:ext cx="1409873" cy="307777"/>
           </a:xfrm>
           <a:prstGeom prst="rect">
@@ -4998,7 +5333,7 @@
         </p:nvSpPr>
         <p:spPr>
           <a:xfrm>
-            <a:off x="10254722" y="3452956"/>
+            <a:off x="10192576" y="3444078"/>
             <a:ext cx="1409873" cy="307777"/>
           </a:xfrm>
           <a:prstGeom prst="rect">
@@ -5042,7 +5377,7 @@
         </p:nvSpPr>
         <p:spPr>
           <a:xfrm rot="16200000">
-            <a:off x="8624794" y="1955436"/>
+            <a:off x="8624794" y="2248410"/>
             <a:ext cx="1622861" cy="307777"/>
           </a:xfrm>
           <a:prstGeom prst="rect">
@@ -5134,94 +5469,6 @@
           <a:xfrm>
             <a:off x="7927765" y="3231763"/>
             <a:ext cx="3110140" cy="745724"/>
-          </a:xfrm>
-          <a:prstGeom prst="line">
-            <a:avLst/>
-          </a:prstGeom>
-          <a:ln w="19050">
-            <a:solidFill>
-              <a:srgbClr val="FF0000"/>
-            </a:solidFill>
-            <a:prstDash val="dash"/>
-          </a:ln>
-        </p:spPr>
-        <p:style>
-          <a:lnRef idx="1">
-            <a:schemeClr val="accent1"/>
-          </a:lnRef>
-          <a:fillRef idx="0">
-            <a:schemeClr val="accent1"/>
-          </a:fillRef>
-          <a:effectRef idx="0">
-            <a:schemeClr val="accent1"/>
-          </a:effectRef>
-          <a:fontRef idx="minor">
-            <a:schemeClr val="tx1"/>
-          </a:fontRef>
-        </p:style>
-      </p:cxnSp>
-      <p:cxnSp>
-        <p:nvCxnSpPr>
-          <p:cNvPr id="43" name="Conector recto 42">
-            <a:extLst>
-              <a:ext uri="{FF2B5EF4-FFF2-40B4-BE49-F238E27FC236}">
-                <a16:creationId xmlns:a16="http://schemas.microsoft.com/office/drawing/2014/main" id="{A5523274-B00A-406A-8D53-D194905CAF88}"/>
-              </a:ext>
-            </a:extLst>
-          </p:cNvPr>
-          <p:cNvCxnSpPr>
-            <a:cxnSpLocks/>
-          </p:cNvCxnSpPr>
-          <p:nvPr/>
-        </p:nvCxnSpPr>
-        <p:spPr>
-          <a:xfrm flipV="1">
-            <a:off x="9282336" y="1988890"/>
-            <a:ext cx="324798" cy="3266983"/>
-          </a:xfrm>
-          <a:prstGeom prst="line">
-            <a:avLst/>
-          </a:prstGeom>
-          <a:ln w="19050">
-            <a:solidFill>
-              <a:srgbClr val="FF0000"/>
-            </a:solidFill>
-            <a:prstDash val="dash"/>
-          </a:ln>
-        </p:spPr>
-        <p:style>
-          <a:lnRef idx="1">
-            <a:schemeClr val="accent1"/>
-          </a:lnRef>
-          <a:fillRef idx="0">
-            <a:schemeClr val="accent1"/>
-          </a:fillRef>
-          <a:effectRef idx="0">
-            <a:schemeClr val="accent1"/>
-          </a:effectRef>
-          <a:fontRef idx="minor">
-            <a:schemeClr val="tx1"/>
-          </a:fontRef>
-        </p:style>
-      </p:cxnSp>
-      <p:cxnSp>
-        <p:nvCxnSpPr>
-          <p:cNvPr id="44" name="Conector recto 43">
-            <a:extLst>
-              <a:ext uri="{FF2B5EF4-FFF2-40B4-BE49-F238E27FC236}">
-                <a16:creationId xmlns:a16="http://schemas.microsoft.com/office/drawing/2014/main" id="{C403D8D1-46DF-49BC-A70A-4752E0E3DE0B}"/>
-              </a:ext>
-            </a:extLst>
-          </p:cNvPr>
-          <p:cNvCxnSpPr>
-            <a:cxnSpLocks/>
-          </p:cNvCxnSpPr>
-          <p:nvPr/>
-        </p:nvCxnSpPr>
-        <p:spPr>
-          <a:xfrm flipH="1" flipV="1">
-            <a:off x="9301575" y="2016998"/>
-            <a:ext cx="324798" cy="3266983"/>
           </a:xfrm>
           <a:prstGeom prst="line">
             <a:avLst/>
@@ -5306,7 +5553,7 @@
         </p:nvSpPr>
         <p:spPr>
           <a:xfrm rot="16200000">
-            <a:off x="8569676" y="1543063"/>
+            <a:off x="8052833" y="1576981"/>
             <a:ext cx="1153806" cy="307777"/>
           </a:xfrm>
           <a:prstGeom prst="rect">
@@ -5323,12 +5570,8 @@
           <a:lstStyle/>
           <a:p>
             <a:r>
-              <a:rPr lang="en-GB" sz="1400"/>
-              <a:t>370 </a:t>
-            </a:r>
-            <a:r>
               <a:rPr lang="en-GB" sz="1400" dirty="0"/>
-              <a:t>index </a:t>
+              <a:t>420 index </a:t>
             </a:r>
           </a:p>
         </p:txBody>
@@ -5347,7 +5590,7 @@
         </p:nvSpPr>
         <p:spPr>
           <a:xfrm rot="16200000">
-            <a:off x="8653118" y="5283241"/>
+            <a:off x="8156168" y="5117788"/>
             <a:ext cx="948444" cy="307777"/>
           </a:xfrm>
           <a:prstGeom prst="rect">
@@ -5365,7 +5608,7 @@
           <a:p>
             <a:r>
               <a:rPr lang="en-GB" sz="1400" dirty="0"/>
-              <a:t>719 index </a:t>
+              <a:t>660 index </a:t>
             </a:r>
           </a:p>
         </p:txBody>
@@ -5384,8 +5627,8 @@
         </p:nvSpPr>
         <p:spPr>
           <a:xfrm rot="16200000">
-            <a:off x="9325279" y="5300997"/>
-            <a:ext cx="948444" cy="307777"/>
+            <a:off x="9893264" y="5056410"/>
+            <a:ext cx="811315" cy="307777"/>
           </a:xfrm>
           <a:prstGeom prst="rect">
             <a:avLst/>
@@ -5402,7 +5645,7 @@
           <a:p>
             <a:r>
               <a:rPr lang="en-GB" sz="1400" dirty="0"/>
-              <a:t>1 index </a:t>
+              <a:t>60 index </a:t>
             </a:r>
           </a:p>
         </p:txBody>
@@ -5421,7 +5664,7 @@
         </p:nvSpPr>
         <p:spPr>
           <a:xfrm rot="16200000">
-            <a:off x="9276177" y="1618228"/>
+            <a:off x="9854622" y="1678928"/>
             <a:ext cx="948444" cy="307777"/>
           </a:xfrm>
           <a:prstGeom prst="rect">
@@ -5439,7 +5682,7 @@
           <a:p>
             <a:r>
               <a:rPr lang="en-GB" sz="1400" dirty="0"/>
-              <a:t>350 index </a:t>
+              <a:t>300 index </a:t>
             </a:r>
           </a:p>
         </p:txBody>
@@ -5476,7 +5719,7 @@
           <a:p>
             <a:r>
               <a:rPr lang="en-GB" sz="1400" dirty="0"/>
-              <a:t>530 index </a:t>
+              <a:t>539 index </a:t>
             </a:r>
           </a:p>
         </p:txBody>
@@ -5513,7 +5756,7 @@
           <a:p>
             <a:r>
               <a:rPr lang="en-GB" sz="1400" dirty="0"/>
-              <a:t>550 index </a:t>
+              <a:t>541 index </a:t>
             </a:r>
           </a:p>
         </p:txBody>
@@ -5550,7 +5793,7 @@
           <a:p>
             <a:r>
               <a:rPr lang="en-GB" sz="1400" dirty="0"/>
-              <a:t>190 index </a:t>
+              <a:t>181 index </a:t>
             </a:r>
           </a:p>
         </p:txBody>
@@ -5587,7 +5830,7 @@
           <a:p>
             <a:r>
               <a:rPr lang="en-GB" sz="1400" dirty="0"/>
-              <a:t>170 index </a:t>
+              <a:t>179 index </a:t>
             </a:r>
           </a:p>
         </p:txBody>
@@ -5658,6 +5901,640 @@
             <a:r>
               <a:rPr lang="en-GB" dirty="0"/>
               <a:t>RP Lidar</a:t>
+            </a:r>
+          </a:p>
+        </p:txBody>
+      </p:sp>
+      <p:cxnSp>
+        <p:nvCxnSpPr>
+          <p:cNvPr id="56" name="Conector recto 55">
+            <a:extLst>
+              <a:ext uri="{FF2B5EF4-FFF2-40B4-BE49-F238E27FC236}">
+                <a16:creationId xmlns:a16="http://schemas.microsoft.com/office/drawing/2014/main" id="{34D8E9D2-9750-4DB4-8AAC-E183C42C8F8A}"/>
+              </a:ext>
+            </a:extLst>
+          </p:cNvPr>
+          <p:cNvCxnSpPr>
+            <a:cxnSpLocks/>
+          </p:cNvCxnSpPr>
+          <p:nvPr/>
+        </p:nvCxnSpPr>
+        <p:spPr>
+          <a:xfrm flipV="1">
+            <a:off x="8618493" y="2271149"/>
+            <a:ext cx="1664233" cy="2675739"/>
+          </a:xfrm>
+          <a:prstGeom prst="line">
+            <a:avLst/>
+          </a:prstGeom>
+          <a:ln w="19050">
+            <a:solidFill>
+              <a:srgbClr val="FF0000"/>
+            </a:solidFill>
+            <a:prstDash val="dash"/>
+          </a:ln>
+        </p:spPr>
+        <p:style>
+          <a:lnRef idx="1">
+            <a:schemeClr val="accent1"/>
+          </a:lnRef>
+          <a:fillRef idx="0">
+            <a:schemeClr val="accent1"/>
+          </a:fillRef>
+          <a:effectRef idx="0">
+            <a:schemeClr val="accent1"/>
+          </a:effectRef>
+          <a:fontRef idx="minor">
+            <a:schemeClr val="tx1"/>
+          </a:fontRef>
+        </p:style>
+      </p:cxnSp>
+      <p:cxnSp>
+        <p:nvCxnSpPr>
+          <p:cNvPr id="57" name="Conector recto 56">
+            <a:extLst>
+              <a:ext uri="{FF2B5EF4-FFF2-40B4-BE49-F238E27FC236}">
+                <a16:creationId xmlns:a16="http://schemas.microsoft.com/office/drawing/2014/main" id="{13B3A256-6BF4-4A79-A1FA-62A939EA139F}"/>
+              </a:ext>
+            </a:extLst>
+          </p:cNvPr>
+          <p:cNvCxnSpPr>
+            <a:cxnSpLocks/>
+          </p:cNvCxnSpPr>
+          <p:nvPr/>
+        </p:nvCxnSpPr>
+        <p:spPr>
+          <a:xfrm flipH="1" flipV="1">
+            <a:off x="8644526" y="2271149"/>
+            <a:ext cx="1637377" cy="2640227"/>
+          </a:xfrm>
+          <a:prstGeom prst="line">
+            <a:avLst/>
+          </a:prstGeom>
+          <a:ln w="19050">
+            <a:solidFill>
+              <a:srgbClr val="FF0000"/>
+            </a:solidFill>
+            <a:prstDash val="dash"/>
+          </a:ln>
+        </p:spPr>
+        <p:style>
+          <a:lnRef idx="1">
+            <a:schemeClr val="accent1"/>
+          </a:lnRef>
+          <a:fillRef idx="0">
+            <a:schemeClr val="accent1"/>
+          </a:fillRef>
+          <a:effectRef idx="0">
+            <a:schemeClr val="accent1"/>
+          </a:effectRef>
+          <a:fontRef idx="minor">
+            <a:schemeClr val="tx1"/>
+          </a:fontRef>
+        </p:style>
+      </p:cxnSp>
+      <p:sp>
+        <p:nvSpPr>
+          <p:cNvPr id="16" name="CuadroTexto 15">
+            <a:extLst>
+              <a:ext uri="{FF2B5EF4-FFF2-40B4-BE49-F238E27FC236}">
+                <a16:creationId xmlns:a16="http://schemas.microsoft.com/office/drawing/2014/main" id="{4CC7D969-1D18-464C-AD19-80B30128D709}"/>
+              </a:ext>
+            </a:extLst>
+          </p:cNvPr>
+          <p:cNvSpPr txBox="1"/>
+          <p:nvPr/>
+        </p:nvSpPr>
+        <p:spPr>
+          <a:xfrm>
+            <a:off x="3716204" y="1345875"/>
+            <a:ext cx="662233" cy="369332"/>
+          </a:xfrm>
+          <a:prstGeom prst="rect">
+            <a:avLst/>
+          </a:prstGeom>
+          <a:noFill/>
+        </p:spPr>
+        <p:txBody>
+          <a:bodyPr wrap="none" rtlCol="0">
+            <a:spAutoFit/>
+          </a:bodyPr>
+          <a:lstStyle/>
+          <a:p>
+            <a:r>
+              <a:rPr lang="en-GB" b="1" dirty="0">
+                <a:solidFill>
+                  <a:srgbClr val="00B0F0"/>
+                </a:solidFill>
+              </a:rPr>
+              <a:t>front</a:t>
+            </a:r>
+          </a:p>
+        </p:txBody>
+      </p:sp>
+      <p:sp>
+        <p:nvSpPr>
+          <p:cNvPr id="58" name="CuadroTexto 57">
+            <a:extLst>
+              <a:ext uri="{FF2B5EF4-FFF2-40B4-BE49-F238E27FC236}">
+                <a16:creationId xmlns:a16="http://schemas.microsoft.com/office/drawing/2014/main" id="{5415B15A-4598-4477-9A32-340ED1508F63}"/>
+              </a:ext>
+            </a:extLst>
+          </p:cNvPr>
+          <p:cNvSpPr txBox="1"/>
+          <p:nvPr/>
+        </p:nvSpPr>
+        <p:spPr>
+          <a:xfrm>
+            <a:off x="5244128" y="2195748"/>
+            <a:ext cx="706732" cy="369332"/>
+          </a:xfrm>
+          <a:prstGeom prst="rect">
+            <a:avLst/>
+          </a:prstGeom>
+          <a:noFill/>
+        </p:spPr>
+        <p:txBody>
+          <a:bodyPr wrap="none" rtlCol="0">
+            <a:spAutoFit/>
+          </a:bodyPr>
+          <a:lstStyle/>
+          <a:p>
+            <a:r>
+              <a:rPr lang="en-GB" b="1" dirty="0">
+                <a:solidFill>
+                  <a:srgbClr val="00B0F0"/>
+                </a:solidFill>
+              </a:rPr>
+              <a:t>fright</a:t>
+            </a:r>
+          </a:p>
+        </p:txBody>
+      </p:sp>
+      <p:sp>
+        <p:nvSpPr>
+          <p:cNvPr id="59" name="CuadroTexto 58">
+            <a:extLst>
+              <a:ext uri="{FF2B5EF4-FFF2-40B4-BE49-F238E27FC236}">
+                <a16:creationId xmlns:a16="http://schemas.microsoft.com/office/drawing/2014/main" id="{3979C877-C5BA-4DF3-88D5-C61B82EA0AE7}"/>
+              </a:ext>
+            </a:extLst>
+          </p:cNvPr>
+          <p:cNvSpPr txBox="1"/>
+          <p:nvPr/>
+        </p:nvSpPr>
+        <p:spPr>
+          <a:xfrm>
+            <a:off x="2079182" y="2222652"/>
+            <a:ext cx="582147" cy="369332"/>
+          </a:xfrm>
+          <a:prstGeom prst="rect">
+            <a:avLst/>
+          </a:prstGeom>
+          <a:noFill/>
+        </p:spPr>
+        <p:txBody>
+          <a:bodyPr wrap="none" rtlCol="0">
+            <a:spAutoFit/>
+          </a:bodyPr>
+          <a:lstStyle/>
+          <a:p>
+            <a:r>
+              <a:rPr lang="en-GB" b="1" dirty="0">
+                <a:solidFill>
+                  <a:srgbClr val="00B0F0"/>
+                </a:solidFill>
+              </a:rPr>
+              <a:t>fleft</a:t>
+            </a:r>
+          </a:p>
+        </p:txBody>
+      </p:sp>
+      <p:sp>
+        <p:nvSpPr>
+          <p:cNvPr id="60" name="CuadroTexto 59">
+            <a:extLst>
+              <a:ext uri="{FF2B5EF4-FFF2-40B4-BE49-F238E27FC236}">
+                <a16:creationId xmlns:a16="http://schemas.microsoft.com/office/drawing/2014/main" id="{FFF12D8A-DBDF-4861-A83F-09462029AAC5}"/>
+              </a:ext>
+            </a:extLst>
+          </p:cNvPr>
+          <p:cNvSpPr txBox="1"/>
+          <p:nvPr/>
+        </p:nvSpPr>
+        <p:spPr>
+          <a:xfrm>
+            <a:off x="6002182" y="3204677"/>
+            <a:ext cx="632994" cy="369332"/>
+          </a:xfrm>
+          <a:prstGeom prst="rect">
+            <a:avLst/>
+          </a:prstGeom>
+          <a:noFill/>
+        </p:spPr>
+        <p:txBody>
+          <a:bodyPr wrap="none" rtlCol="0">
+            <a:spAutoFit/>
+          </a:bodyPr>
+          <a:lstStyle/>
+          <a:p>
+            <a:r>
+              <a:rPr lang="en-GB" b="1" dirty="0">
+                <a:solidFill>
+                  <a:srgbClr val="00B0F0"/>
+                </a:solidFill>
+              </a:rPr>
+              <a:t>right</a:t>
+            </a:r>
+          </a:p>
+        </p:txBody>
+      </p:sp>
+      <p:sp>
+        <p:nvSpPr>
+          <p:cNvPr id="61" name="CuadroTexto 60">
+            <a:extLst>
+              <a:ext uri="{FF2B5EF4-FFF2-40B4-BE49-F238E27FC236}">
+                <a16:creationId xmlns:a16="http://schemas.microsoft.com/office/drawing/2014/main" id="{F5E27CFA-9C60-494A-A5E6-B6CA990948EA}"/>
+              </a:ext>
+            </a:extLst>
+          </p:cNvPr>
+          <p:cNvSpPr txBox="1"/>
+          <p:nvPr/>
+        </p:nvSpPr>
+        <p:spPr>
+          <a:xfrm>
+            <a:off x="1715437" y="3221346"/>
+            <a:ext cx="508409" cy="369332"/>
+          </a:xfrm>
+          <a:prstGeom prst="rect">
+            <a:avLst/>
+          </a:prstGeom>
+          <a:noFill/>
+        </p:spPr>
+        <p:txBody>
+          <a:bodyPr wrap="none" rtlCol="0">
+            <a:spAutoFit/>
+          </a:bodyPr>
+          <a:lstStyle/>
+          <a:p>
+            <a:r>
+              <a:rPr lang="en-GB" b="1" dirty="0">
+                <a:solidFill>
+                  <a:srgbClr val="00B0F0"/>
+                </a:solidFill>
+              </a:rPr>
+              <a:t>left</a:t>
+            </a:r>
+          </a:p>
+        </p:txBody>
+      </p:sp>
+      <p:sp>
+        <p:nvSpPr>
+          <p:cNvPr id="62" name="CuadroTexto 61">
+            <a:extLst>
+              <a:ext uri="{FF2B5EF4-FFF2-40B4-BE49-F238E27FC236}">
+                <a16:creationId xmlns:a16="http://schemas.microsoft.com/office/drawing/2014/main" id="{FA64CBBB-096B-4CCC-ABBC-0468FCE7B374}"/>
+              </a:ext>
+            </a:extLst>
+          </p:cNvPr>
+          <p:cNvSpPr txBox="1"/>
+          <p:nvPr/>
+        </p:nvSpPr>
+        <p:spPr>
+          <a:xfrm>
+            <a:off x="9187570" y="1524618"/>
+            <a:ext cx="662233" cy="369332"/>
+          </a:xfrm>
+          <a:prstGeom prst="rect">
+            <a:avLst/>
+          </a:prstGeom>
+          <a:noFill/>
+        </p:spPr>
+        <p:txBody>
+          <a:bodyPr wrap="none" rtlCol="0">
+            <a:spAutoFit/>
+          </a:bodyPr>
+          <a:lstStyle/>
+          <a:p>
+            <a:r>
+              <a:rPr lang="en-GB" b="1" dirty="0">
+                <a:solidFill>
+                  <a:srgbClr val="00B0F0"/>
+                </a:solidFill>
+              </a:rPr>
+              <a:t>front</a:t>
+            </a:r>
+          </a:p>
+        </p:txBody>
+      </p:sp>
+      <p:sp>
+        <p:nvSpPr>
+          <p:cNvPr id="63" name="CuadroTexto 62">
+            <a:extLst>
+              <a:ext uri="{FF2B5EF4-FFF2-40B4-BE49-F238E27FC236}">
+                <a16:creationId xmlns:a16="http://schemas.microsoft.com/office/drawing/2014/main" id="{BD37D99E-2702-4405-A829-AF52BB5071D2}"/>
+              </a:ext>
+            </a:extLst>
+          </p:cNvPr>
+          <p:cNvSpPr txBox="1"/>
+          <p:nvPr/>
+        </p:nvSpPr>
+        <p:spPr>
+          <a:xfrm>
+            <a:off x="10715494" y="2374491"/>
+            <a:ext cx="706732" cy="369332"/>
+          </a:xfrm>
+          <a:prstGeom prst="rect">
+            <a:avLst/>
+          </a:prstGeom>
+          <a:noFill/>
+        </p:spPr>
+        <p:txBody>
+          <a:bodyPr wrap="none" rtlCol="0">
+            <a:spAutoFit/>
+          </a:bodyPr>
+          <a:lstStyle/>
+          <a:p>
+            <a:r>
+              <a:rPr lang="en-GB" b="1" dirty="0">
+                <a:solidFill>
+                  <a:srgbClr val="00B0F0"/>
+                </a:solidFill>
+              </a:rPr>
+              <a:t>fright</a:t>
+            </a:r>
+          </a:p>
+        </p:txBody>
+      </p:sp>
+      <p:sp>
+        <p:nvSpPr>
+          <p:cNvPr id="64" name="CuadroTexto 63">
+            <a:extLst>
+              <a:ext uri="{FF2B5EF4-FFF2-40B4-BE49-F238E27FC236}">
+                <a16:creationId xmlns:a16="http://schemas.microsoft.com/office/drawing/2014/main" id="{2FB21EAA-FD97-440F-993E-9E82D72F5E2D}"/>
+              </a:ext>
+            </a:extLst>
+          </p:cNvPr>
+          <p:cNvSpPr txBox="1"/>
+          <p:nvPr/>
+        </p:nvSpPr>
+        <p:spPr>
+          <a:xfrm>
+            <a:off x="7550548" y="2401395"/>
+            <a:ext cx="582147" cy="369332"/>
+          </a:xfrm>
+          <a:prstGeom prst="rect">
+            <a:avLst/>
+          </a:prstGeom>
+          <a:noFill/>
+        </p:spPr>
+        <p:txBody>
+          <a:bodyPr wrap="none" rtlCol="0">
+            <a:spAutoFit/>
+          </a:bodyPr>
+          <a:lstStyle/>
+          <a:p>
+            <a:r>
+              <a:rPr lang="en-GB" b="1" dirty="0">
+                <a:solidFill>
+                  <a:srgbClr val="00B0F0"/>
+                </a:solidFill>
+              </a:rPr>
+              <a:t>fleft</a:t>
+            </a:r>
+          </a:p>
+        </p:txBody>
+      </p:sp>
+      <p:sp>
+        <p:nvSpPr>
+          <p:cNvPr id="65" name="CuadroTexto 64">
+            <a:extLst>
+              <a:ext uri="{FF2B5EF4-FFF2-40B4-BE49-F238E27FC236}">
+                <a16:creationId xmlns:a16="http://schemas.microsoft.com/office/drawing/2014/main" id="{7125AD2B-31D1-4DF8-B190-DC199011A582}"/>
+              </a:ext>
+            </a:extLst>
+          </p:cNvPr>
+          <p:cNvSpPr txBox="1"/>
+          <p:nvPr/>
+        </p:nvSpPr>
+        <p:spPr>
+          <a:xfrm>
+            <a:off x="11473548" y="3383420"/>
+            <a:ext cx="632994" cy="369332"/>
+          </a:xfrm>
+          <a:prstGeom prst="rect">
+            <a:avLst/>
+          </a:prstGeom>
+          <a:noFill/>
+        </p:spPr>
+        <p:txBody>
+          <a:bodyPr wrap="none" rtlCol="0">
+            <a:spAutoFit/>
+          </a:bodyPr>
+          <a:lstStyle/>
+          <a:p>
+            <a:r>
+              <a:rPr lang="en-GB" b="1" dirty="0">
+                <a:solidFill>
+                  <a:srgbClr val="00B0F0"/>
+                </a:solidFill>
+              </a:rPr>
+              <a:t>right</a:t>
+            </a:r>
+          </a:p>
+        </p:txBody>
+      </p:sp>
+      <p:sp>
+        <p:nvSpPr>
+          <p:cNvPr id="66" name="CuadroTexto 65">
+            <a:extLst>
+              <a:ext uri="{FF2B5EF4-FFF2-40B4-BE49-F238E27FC236}">
+                <a16:creationId xmlns:a16="http://schemas.microsoft.com/office/drawing/2014/main" id="{4063366A-543E-4014-A123-2697DE41656E}"/>
+              </a:ext>
+            </a:extLst>
+          </p:cNvPr>
+          <p:cNvSpPr txBox="1"/>
+          <p:nvPr/>
+        </p:nvSpPr>
+        <p:spPr>
+          <a:xfrm>
+            <a:off x="7186803" y="3400089"/>
+            <a:ext cx="508409" cy="369332"/>
+          </a:xfrm>
+          <a:prstGeom prst="rect">
+            <a:avLst/>
+          </a:prstGeom>
+          <a:noFill/>
+        </p:spPr>
+        <p:txBody>
+          <a:bodyPr wrap="none" rtlCol="0">
+            <a:spAutoFit/>
+          </a:bodyPr>
+          <a:lstStyle/>
+          <a:p>
+            <a:r>
+              <a:rPr lang="en-GB" b="1" dirty="0">
+                <a:solidFill>
+                  <a:srgbClr val="00B0F0"/>
+                </a:solidFill>
+              </a:rPr>
+              <a:t>left</a:t>
+            </a:r>
+          </a:p>
+        </p:txBody>
+      </p:sp>
+      <p:sp>
+        <p:nvSpPr>
+          <p:cNvPr id="67" name="CuadroTexto 66">
+            <a:extLst>
+              <a:ext uri="{FF2B5EF4-FFF2-40B4-BE49-F238E27FC236}">
+                <a16:creationId xmlns:a16="http://schemas.microsoft.com/office/drawing/2014/main" id="{5D5F0E4D-1E62-4C9E-8480-C44313AB94D7}"/>
+              </a:ext>
+            </a:extLst>
+          </p:cNvPr>
+          <p:cNvSpPr txBox="1"/>
+          <p:nvPr/>
+        </p:nvSpPr>
+        <p:spPr>
+          <a:xfrm>
+            <a:off x="10715494" y="4323535"/>
+            <a:ext cx="756426" cy="369332"/>
+          </a:xfrm>
+          <a:prstGeom prst="rect">
+            <a:avLst/>
+          </a:prstGeom>
+          <a:noFill/>
+        </p:spPr>
+        <p:txBody>
+          <a:bodyPr wrap="none" rtlCol="0">
+            <a:spAutoFit/>
+          </a:bodyPr>
+          <a:lstStyle/>
+          <a:p>
+            <a:r>
+              <a:rPr lang="en-GB" b="1" dirty="0">
+                <a:solidFill>
+                  <a:srgbClr val="00B0F0"/>
+                </a:solidFill>
+              </a:rPr>
+              <a:t>bright</a:t>
+            </a:r>
+          </a:p>
+        </p:txBody>
+      </p:sp>
+      <p:sp>
+        <p:nvSpPr>
+          <p:cNvPr id="68" name="CuadroTexto 67">
+            <a:extLst>
+              <a:ext uri="{FF2B5EF4-FFF2-40B4-BE49-F238E27FC236}">
+                <a16:creationId xmlns:a16="http://schemas.microsoft.com/office/drawing/2014/main" id="{9E2CBFF1-A900-4DBF-8839-B5577C84E44B}"/>
+              </a:ext>
+            </a:extLst>
+          </p:cNvPr>
+          <p:cNvSpPr txBox="1"/>
+          <p:nvPr/>
+        </p:nvSpPr>
+        <p:spPr>
+          <a:xfrm>
+            <a:off x="7639076" y="4323535"/>
+            <a:ext cx="631840" cy="369332"/>
+          </a:xfrm>
+          <a:prstGeom prst="rect">
+            <a:avLst/>
+          </a:prstGeom>
+          <a:noFill/>
+        </p:spPr>
+        <p:txBody>
+          <a:bodyPr wrap="none" rtlCol="0">
+            <a:spAutoFit/>
+          </a:bodyPr>
+          <a:lstStyle/>
+          <a:p>
+            <a:r>
+              <a:rPr lang="en-GB" b="1" dirty="0">
+                <a:solidFill>
+                  <a:srgbClr val="00B0F0"/>
+                </a:solidFill>
+              </a:rPr>
+              <a:t>bleft</a:t>
+            </a:r>
+          </a:p>
+        </p:txBody>
+      </p:sp>
+      <p:sp>
+        <p:nvSpPr>
+          <p:cNvPr id="69" name="CuadroTexto 68">
+            <a:extLst>
+              <a:ext uri="{FF2B5EF4-FFF2-40B4-BE49-F238E27FC236}">
+                <a16:creationId xmlns:a16="http://schemas.microsoft.com/office/drawing/2014/main" id="{221D82C6-CB56-4920-9313-9A16AC55B662}"/>
+              </a:ext>
+            </a:extLst>
+          </p:cNvPr>
+          <p:cNvSpPr txBox="1"/>
+          <p:nvPr/>
+        </p:nvSpPr>
+        <p:spPr>
+          <a:xfrm>
+            <a:off x="5243725" y="4149181"/>
+            <a:ext cx="756426" cy="369332"/>
+          </a:xfrm>
+          <a:prstGeom prst="rect">
+            <a:avLst/>
+          </a:prstGeom>
+          <a:noFill/>
+        </p:spPr>
+        <p:txBody>
+          <a:bodyPr wrap="none" rtlCol="0">
+            <a:spAutoFit/>
+          </a:bodyPr>
+          <a:lstStyle/>
+          <a:p>
+            <a:r>
+              <a:rPr lang="en-GB" b="1" dirty="0">
+                <a:solidFill>
+                  <a:srgbClr val="00B0F0"/>
+                </a:solidFill>
+              </a:rPr>
+              <a:t>bright</a:t>
+            </a:r>
+          </a:p>
+        </p:txBody>
+      </p:sp>
+      <p:sp>
+        <p:nvSpPr>
+          <p:cNvPr id="70" name="CuadroTexto 69">
+            <a:extLst>
+              <a:ext uri="{FF2B5EF4-FFF2-40B4-BE49-F238E27FC236}">
+                <a16:creationId xmlns:a16="http://schemas.microsoft.com/office/drawing/2014/main" id="{02C6D266-471D-42D7-896C-0F17BFBD17EA}"/>
+              </a:ext>
+            </a:extLst>
+          </p:cNvPr>
+          <p:cNvSpPr txBox="1"/>
+          <p:nvPr/>
+        </p:nvSpPr>
+        <p:spPr>
+          <a:xfrm>
+            <a:off x="2167307" y="4149181"/>
+            <a:ext cx="631840" cy="369332"/>
+          </a:xfrm>
+          <a:prstGeom prst="rect">
+            <a:avLst/>
+          </a:prstGeom>
+          <a:noFill/>
+        </p:spPr>
+        <p:txBody>
+          <a:bodyPr wrap="none" rtlCol="0">
+            <a:spAutoFit/>
+          </a:bodyPr>
+          <a:lstStyle/>
+          <a:p>
+            <a:r>
+              <a:rPr lang="en-GB" b="1" dirty="0">
+                <a:solidFill>
+                  <a:srgbClr val="00B0F0"/>
+                </a:solidFill>
+              </a:rPr>
+              <a:t>bleft</a:t>
             </a:r>
           </a:p>
         </p:txBody>
